--- a/prog/prez/7.pptx
+++ b/prog/prez/7.pptx
@@ -5,10 +5,10 @@
     <p:sldMasterId id="2147483648" r:id="rId1"/>
   </p:sldMasterIdLst>
   <p:notesMasterIdLst>
-    <p:notesMasterId r:id="rId25"/>
+    <p:notesMasterId r:id="rId28"/>
   </p:notesMasterIdLst>
   <p:handoutMasterIdLst>
-    <p:handoutMasterId r:id="rId26"/>
+    <p:handoutMasterId r:id="rId29"/>
   </p:handoutMasterIdLst>
   <p:sldIdLst>
     <p:sldId id="256" r:id="rId2"/>
@@ -33,7 +33,10 @@
     <p:sldId id="281" r:id="rId21"/>
     <p:sldId id="280" r:id="rId22"/>
     <p:sldId id="291" r:id="rId23"/>
-    <p:sldId id="283" r:id="rId24"/>
+    <p:sldId id="292" r:id="rId24"/>
+    <p:sldId id="293" r:id="rId25"/>
+    <p:sldId id="294" r:id="rId26"/>
+    <p:sldId id="283" r:id="rId27"/>
   </p:sldIdLst>
   <p:sldSz cx="9144000" cy="6858000" type="screen4x3"/>
   <p:notesSz cx="6858000" cy="9144000"/>
@@ -217,7 +220,7 @@
           <a:p>
             <a:fld id="{3E77496C-BF1A-4C2E-8178-AB01FAC34F7B}" type="datetimeFigureOut">
               <a:rPr lang="ru-RU" smtClean="0"/>
-              <a:t>29.10.2018</a:t>
+              <a:t>02.11.2018</a:t>
             </a:fld>
             <a:endParaRPr lang="ru-RU"/>
           </a:p>
@@ -382,7 +385,7 @@
           <a:p>
             <a:fld id="{7A5FA738-8BA6-4619-A55B-C325AF866D0B}" type="datetimeFigureOut">
               <a:rPr lang="ru-RU" smtClean="0"/>
-              <a:t>29.10.2018</a:t>
+              <a:t>02.11.2018</a:t>
             </a:fld>
             <a:endParaRPr lang="ru-RU"/>
           </a:p>
@@ -844,7 +847,7 @@
           <a:p>
             <a:fld id="{B4C71EC6-210F-42DE-9C53-41977AD35B3D}" type="datetimeFigureOut">
               <a:rPr lang="ru-RU" smtClean="0"/>
-              <a:t>29.10.2018</a:t>
+              <a:t>02.11.2018</a:t>
             </a:fld>
             <a:endParaRPr lang="ru-RU"/>
           </a:p>
@@ -941,7 +944,7 @@
           <a:p>
             <a:fld id="{B4C71EC6-210F-42DE-9C53-41977AD35B3D}" type="datetimeFigureOut">
               <a:rPr lang="ru-RU" smtClean="0"/>
-              <a:t>29.10.2018</a:t>
+              <a:t>02.11.2018</a:t>
             </a:fld>
             <a:endParaRPr lang="ru-RU"/>
           </a:p>
@@ -1220,7 +1223,7 @@
           <a:p>
             <a:fld id="{B4C71EC6-210F-42DE-9C53-41977AD35B3D}" type="datetimeFigureOut">
               <a:rPr lang="ru-RU" smtClean="0"/>
-              <a:t>29.10.2018</a:t>
+              <a:t>02.11.2018</a:t>
             </a:fld>
             <a:endParaRPr lang="ru-RU"/>
           </a:p>
@@ -1475,7 +1478,7 @@
           <a:p>
             <a:fld id="{B4C71EC6-210F-42DE-9C53-41977AD35B3D}" type="datetimeFigureOut">
               <a:rPr lang="ru-RU" smtClean="0"/>
-              <a:t>29.10.2018</a:t>
+              <a:t>02.11.2018</a:t>
             </a:fld>
             <a:endParaRPr lang="ru-RU"/>
           </a:p>
@@ -1647,7 +1650,7 @@
           <a:p>
             <a:fld id="{B4C71EC6-210F-42DE-9C53-41977AD35B3D}" type="datetimeFigureOut">
               <a:rPr lang="ru-RU" smtClean="0"/>
-              <a:t>29.10.2018</a:t>
+              <a:t>02.11.2018</a:t>
             </a:fld>
             <a:endParaRPr lang="ru-RU"/>
           </a:p>
@@ -1829,7 +1832,7 @@
           <a:p>
             <a:fld id="{B4C71EC6-210F-42DE-9C53-41977AD35B3D}" type="datetimeFigureOut">
               <a:rPr lang="ru-RU" smtClean="0"/>
-              <a:t>29.10.2018</a:t>
+              <a:t>02.11.2018</a:t>
             </a:fld>
             <a:endParaRPr lang="ru-RU"/>
           </a:p>
@@ -2047,7 +2050,7 @@
           <a:p>
             <a:fld id="{B4C71EC6-210F-42DE-9C53-41977AD35B3D}" type="datetimeFigureOut">
               <a:rPr lang="ru-RU" smtClean="0"/>
-              <a:t>29.10.2018</a:t>
+              <a:t>02.11.2018</a:t>
             </a:fld>
             <a:endParaRPr lang="ru-RU"/>
           </a:p>
@@ -2255,7 +2258,7 @@
           <a:p>
             <a:fld id="{B4C71EC6-210F-42DE-9C53-41977AD35B3D}" type="datetimeFigureOut">
               <a:rPr lang="ru-RU" smtClean="0"/>
-              <a:t>29.10.2018</a:t>
+              <a:t>02.11.2018</a:t>
             </a:fld>
             <a:endParaRPr lang="ru-RU"/>
           </a:p>
@@ -2380,7 +2383,7 @@
           <a:p>
             <a:fld id="{B4C71EC6-210F-42DE-9C53-41977AD35B3D}" type="datetimeFigureOut">
               <a:rPr lang="ru-RU" smtClean="0"/>
-              <a:t>29.10.2018</a:t>
+              <a:t>02.11.2018</a:t>
             </a:fld>
             <a:endParaRPr lang="ru-RU"/>
           </a:p>
@@ -2554,7 +2557,7 @@
           <a:p>
             <a:fld id="{B4C71EC6-210F-42DE-9C53-41977AD35B3D}" type="datetimeFigureOut">
               <a:rPr lang="ru-RU" smtClean="0"/>
-              <a:t>29.10.2018</a:t>
+              <a:t>02.11.2018</a:t>
             </a:fld>
             <a:endParaRPr lang="ru-RU"/>
           </a:p>
@@ -2856,7 +2859,7 @@
           <a:p>
             <a:fld id="{B4C71EC6-210F-42DE-9C53-41977AD35B3D}" type="datetimeFigureOut">
               <a:rPr lang="ru-RU" smtClean="0"/>
-              <a:t>29.10.2018</a:t>
+              <a:t>02.11.2018</a:t>
             </a:fld>
             <a:endParaRPr lang="ru-RU"/>
           </a:p>
@@ -3146,7 +3149,7 @@
           <a:p>
             <a:fld id="{B4C71EC6-210F-42DE-9C53-41977AD35B3D}" type="datetimeFigureOut">
               <a:rPr lang="ru-RU" smtClean="0"/>
-              <a:t>29.10.2018</a:t>
+              <a:t>02.11.2018</a:t>
             </a:fld>
             <a:endParaRPr lang="ru-RU"/>
           </a:p>
@@ -3570,7 +3573,7 @@
           <a:p>
             <a:fld id="{B4C71EC6-210F-42DE-9C53-41977AD35B3D}" type="datetimeFigureOut">
               <a:rPr lang="ru-RU" smtClean="0"/>
-              <a:t>29.10.2018</a:t>
+              <a:t>02.11.2018</a:t>
             </a:fld>
             <a:endParaRPr lang="ru-RU"/>
           </a:p>
@@ -3690,7 +3693,7 @@
           <a:p>
             <a:fld id="{B4C71EC6-210F-42DE-9C53-41977AD35B3D}" type="datetimeFigureOut">
               <a:rPr lang="ru-RU" smtClean="0"/>
-              <a:t>29.10.2018</a:t>
+              <a:t>02.11.2018</a:t>
             </a:fld>
             <a:endParaRPr lang="ru-RU"/>
           </a:p>
@@ -3905,7 +3908,7 @@
           <a:p>
             <a:fld id="{B4C71EC6-210F-42DE-9C53-41977AD35B3D}" type="datetimeFigureOut">
               <a:rPr lang="ru-RU" smtClean="0"/>
-              <a:t>29.10.2018</a:t>
+              <a:t>02.11.2018</a:t>
             </a:fld>
             <a:endParaRPr lang="ru-RU"/>
           </a:p>
@@ -8200,17 +8203,7 @@
                 <a:latin typeface="Consolas" panose="020B0609020204030204" pitchFamily="49" charset="0"/>
                 <a:cs typeface="Consolas" panose="020B0609020204030204" pitchFamily="49" charset="0"/>
               </a:rPr>
-              <a:t> </a:t>
-            </a:r>
-            <a:r>
-              <a:rPr lang="ru-RU" dirty="0" smtClean="0">
-                <a:solidFill>
-                  <a:srgbClr val="008000"/>
-                </a:solidFill>
-                <a:latin typeface="Consolas" panose="020B0609020204030204" pitchFamily="49" charset="0"/>
-                <a:cs typeface="Consolas" panose="020B0609020204030204" pitchFamily="49" charset="0"/>
-              </a:rPr>
-              <a:t>= </a:t>
+              <a:t> = </a:t>
             </a:r>
             <a:r>
               <a:rPr lang="en-US" dirty="0" smtClean="0">
@@ -8374,21 +8367,7 @@
                 <a:latin typeface="Consolas" panose="020B0609020204030204" pitchFamily="49" charset="0"/>
                 <a:cs typeface="Consolas" panose="020B0609020204030204" pitchFamily="49" charset="0"/>
               </a:rPr>
-              <a:t> </a:t>
-            </a:r>
-            <a:r>
-              <a:rPr lang="en-US" dirty="0" smtClean="0">
-                <a:latin typeface="Consolas" panose="020B0609020204030204" pitchFamily="49" charset="0"/>
-                <a:cs typeface="Consolas" panose="020B0609020204030204" pitchFamily="49" charset="0"/>
-              </a:rPr>
-              <a:t>=== </a:t>
-            </a:r>
-            <a:r>
-              <a:rPr lang="en-US" dirty="0" smtClean="0">
-                <a:latin typeface="Consolas" panose="020B0609020204030204" pitchFamily="49" charset="0"/>
-                <a:cs typeface="Consolas" panose="020B0609020204030204" pitchFamily="49" charset="0"/>
-              </a:rPr>
-              <a:t>*</a:t>
+              <a:t> === *</a:t>
             </a:r>
             <a:r>
               <a:rPr lang="en-US" dirty="0">
@@ -9057,21 +9036,7 @@
                 <a:latin typeface="Consolas" panose="020B0609020204030204" pitchFamily="49" charset="0"/>
                 <a:cs typeface="Consolas" panose="020B0609020204030204" pitchFamily="49" charset="0"/>
               </a:rPr>
-              <a:t> </a:t>
-            </a:r>
-            <a:r>
-              <a:rPr lang="en-US" dirty="0" smtClean="0">
-                <a:latin typeface="Consolas" panose="020B0609020204030204" pitchFamily="49" charset="0"/>
-                <a:cs typeface="Consolas" panose="020B0609020204030204" pitchFamily="49" charset="0"/>
-              </a:rPr>
-              <a:t>=== </a:t>
-            </a:r>
-            <a:r>
-              <a:rPr lang="en-US" dirty="0" smtClean="0">
-                <a:latin typeface="Consolas" panose="020B0609020204030204" pitchFamily="49" charset="0"/>
-                <a:cs typeface="Consolas" panose="020B0609020204030204" pitchFamily="49" charset="0"/>
-              </a:rPr>
-              <a:t>*</a:t>
+              <a:t> === *</a:t>
             </a:r>
             <a:r>
               <a:rPr lang="en-US" dirty="0">
@@ -9364,17 +9329,7 @@
                 <a:latin typeface="Consolas" panose="020B0609020204030204" pitchFamily="49" charset="0"/>
                 <a:cs typeface="Consolas" panose="020B0609020204030204" pitchFamily="49" charset="0"/>
               </a:rPr>
-              <a:t>r</a:t>
-            </a:r>
-            <a:r>
-              <a:rPr lang="en-US" sz="2200" dirty="0">
-                <a:solidFill>
-                  <a:srgbClr val="666666"/>
-                </a:solidFill>
-                <a:latin typeface="Consolas" panose="020B0609020204030204" pitchFamily="49" charset="0"/>
-                <a:cs typeface="Consolas" panose="020B0609020204030204" pitchFamily="49" charset="0"/>
-              </a:rPr>
-              <a:t> 12 </a:t>
+              <a:t>r 12 </a:t>
             </a:r>
             <a:r>
               <a:rPr lang="ru-RU" sz="2200" dirty="0">
@@ -12643,17 +12598,7 @@
                 <a:latin typeface="Consolas" panose="020B0609020204030204" pitchFamily="49" charset="0"/>
                 <a:cs typeface="Consolas" panose="020B0609020204030204" pitchFamily="49" charset="0"/>
               </a:rPr>
-              <a:t> </a:t>
-            </a:r>
-            <a:r>
-              <a:rPr lang="ru-RU" dirty="0">
-                <a:solidFill>
-                  <a:srgbClr val="666666"/>
-                </a:solidFill>
-                <a:latin typeface="Consolas" panose="020B0609020204030204" pitchFamily="49" charset="0"/>
-                <a:cs typeface="Consolas" panose="020B0609020204030204" pitchFamily="49" charset="0"/>
-              </a:rPr>
-              <a:t>Прототип</a:t>
+              <a:t> Прототип</a:t>
             </a:r>
             <a:endParaRPr lang="en-US" dirty="0">
               <a:solidFill>
@@ -15375,7 +15320,6 @@
               <a:rPr lang="en-US" dirty="0" smtClean="0"/>
               <a:t>;</a:t>
             </a:r>
-            <a:endParaRPr lang="en-US" dirty="0" smtClean="0"/>
           </a:p>
           <a:p>
             <a:r>
@@ -15499,19 +15443,7 @@
           <a:p>
             <a:r>
               <a:rPr lang="ru-RU" dirty="0" smtClean="0"/>
-              <a:t>Динамические </a:t>
-            </a:r>
-            <a:r>
-              <a:rPr lang="ru-RU" dirty="0" smtClean="0"/>
-              <a:t>многомерные</a:t>
-            </a:r>
-            <a:r>
-              <a:rPr lang="ru-RU" dirty="0" smtClean="0"/>
-              <a:t> </a:t>
-            </a:r>
-            <a:r>
-              <a:rPr lang="ru-RU" dirty="0" smtClean="0"/>
-              <a:t>массивы</a:t>
+              <a:t>Динамические многомерные массивы</a:t>
             </a:r>
             <a:endParaRPr lang="ru-RU" dirty="0"/>
           </a:p>
@@ -17235,7 +17167,11 @@
           <a:p>
             <a:r>
               <a:rPr lang="ru-RU" dirty="0" smtClean="0"/>
-              <a:t>Использование</a:t>
+              <a:t>Объявление </a:t>
+            </a:r>
+            <a:r>
+              <a:rPr lang="en-US" dirty="0" smtClean="0"/>
+              <a:t>III</a:t>
             </a:r>
             <a:endParaRPr lang="ru-RU" dirty="0"/>
           </a:p>
@@ -17264,12 +17200,1810 @@
           <a:lstStyle/>
           <a:p>
             <a:r>
+              <a:rPr lang="nn-NO" dirty="0">
+                <a:solidFill>
+                  <a:srgbClr val="666666"/>
+                </a:solidFill>
+                <a:latin typeface="Consolas" panose="020B0609020204030204" pitchFamily="49" charset="0"/>
+                <a:cs typeface="Consolas" panose="020B0609020204030204" pitchFamily="49" charset="0"/>
+              </a:rPr>
+              <a:t>// int array[10][5</a:t>
+            </a:r>
+            <a:r>
+              <a:rPr lang="nn-NO" dirty="0" smtClean="0">
+                <a:solidFill>
+                  <a:srgbClr val="666666"/>
+                </a:solidFill>
+                <a:latin typeface="Consolas" panose="020B0609020204030204" pitchFamily="49" charset="0"/>
+                <a:cs typeface="Consolas" panose="020B0609020204030204" pitchFamily="49" charset="0"/>
+              </a:rPr>
+              <a:t>];</a:t>
+            </a:r>
+            <a:endParaRPr lang="nn-NO" dirty="0" smtClean="0">
+              <a:latin typeface="Consolas" panose="020B0609020204030204" pitchFamily="49" charset="0"/>
+              <a:cs typeface="Consolas" panose="020B0609020204030204" pitchFamily="49" charset="0"/>
+            </a:endParaRPr>
+          </a:p>
+          <a:p>
+            <a:r>
+              <a:rPr lang="nn-NO" dirty="0" smtClean="0">
+                <a:solidFill>
+                  <a:srgbClr val="0000FF"/>
+                </a:solidFill>
+                <a:latin typeface="Consolas" panose="020B0609020204030204" pitchFamily="49" charset="0"/>
+                <a:cs typeface="Consolas" panose="020B0609020204030204" pitchFamily="49" charset="0"/>
+              </a:rPr>
+              <a:t>int</a:t>
+            </a:r>
+            <a:r>
+              <a:rPr lang="nn-NO" dirty="0" smtClean="0">
+                <a:latin typeface="Consolas" panose="020B0609020204030204" pitchFamily="49" charset="0"/>
+                <a:cs typeface="Consolas" panose="020B0609020204030204" pitchFamily="49" charset="0"/>
+              </a:rPr>
+              <a:t> </a:t>
+            </a:r>
+            <a:r>
+              <a:rPr lang="nn-NO" dirty="0">
+                <a:solidFill>
+                  <a:srgbClr val="008000"/>
+                </a:solidFill>
+                <a:latin typeface="Consolas" panose="020B0609020204030204" pitchFamily="49" charset="0"/>
+                <a:cs typeface="Consolas" panose="020B0609020204030204" pitchFamily="49" charset="0"/>
+              </a:rPr>
+              <a:t>(</a:t>
+            </a:r>
+            <a:r>
+              <a:rPr lang="nn-NO" dirty="0" smtClean="0">
+                <a:solidFill>
+                  <a:srgbClr val="000040"/>
+                </a:solidFill>
+                <a:latin typeface="Consolas" panose="020B0609020204030204" pitchFamily="49" charset="0"/>
+                <a:cs typeface="Consolas" panose="020B0609020204030204" pitchFamily="49" charset="0"/>
+              </a:rPr>
+              <a:t>*</a:t>
+            </a:r>
+            <a:r>
+              <a:rPr lang="nn-NO" dirty="0" smtClean="0">
+                <a:latin typeface="Consolas" panose="020B0609020204030204" pitchFamily="49" charset="0"/>
+                <a:cs typeface="Consolas" panose="020B0609020204030204" pitchFamily="49" charset="0"/>
+              </a:rPr>
+              <a:t>array</a:t>
+            </a:r>
+            <a:r>
+              <a:rPr lang="nn-NO" dirty="0">
+                <a:solidFill>
+                  <a:srgbClr val="008000"/>
+                </a:solidFill>
+                <a:latin typeface="Consolas" panose="020B0609020204030204" pitchFamily="49" charset="0"/>
+                <a:cs typeface="Consolas" panose="020B0609020204030204" pitchFamily="49" charset="0"/>
+              </a:rPr>
+              <a:t>)</a:t>
+            </a:r>
+            <a:r>
+              <a:rPr lang="nn-NO" dirty="0" smtClean="0">
+                <a:solidFill>
+                  <a:srgbClr val="008000"/>
+                </a:solidFill>
+                <a:latin typeface="Consolas" panose="020B0609020204030204" pitchFamily="49" charset="0"/>
+                <a:cs typeface="Consolas" panose="020B0609020204030204" pitchFamily="49" charset="0"/>
+              </a:rPr>
+              <a:t>[</a:t>
+            </a:r>
+            <a:r>
+              <a:rPr lang="nn-NO" dirty="0" smtClean="0">
+                <a:solidFill>
+                  <a:srgbClr val="0000DD"/>
+                </a:solidFill>
+                <a:latin typeface="Consolas" panose="020B0609020204030204" pitchFamily="49" charset="0"/>
+                <a:cs typeface="Consolas" panose="020B0609020204030204" pitchFamily="49" charset="0"/>
+              </a:rPr>
+              <a:t>5</a:t>
+            </a:r>
+            <a:r>
+              <a:rPr lang="nn-NO" dirty="0" smtClean="0">
+                <a:solidFill>
+                  <a:srgbClr val="008000"/>
+                </a:solidFill>
+                <a:latin typeface="Consolas" panose="020B0609020204030204" pitchFamily="49" charset="0"/>
+                <a:cs typeface="Consolas" panose="020B0609020204030204" pitchFamily="49" charset="0"/>
+              </a:rPr>
+              <a:t>]</a:t>
+            </a:r>
+            <a:r>
+              <a:rPr lang="nn-NO" dirty="0" smtClean="0">
+                <a:latin typeface="Consolas" panose="020B0609020204030204" pitchFamily="49" charset="0"/>
+                <a:cs typeface="Consolas" panose="020B0609020204030204" pitchFamily="49" charset="0"/>
+              </a:rPr>
+              <a:t> </a:t>
+            </a:r>
+            <a:r>
+              <a:rPr lang="nn-NO" dirty="0">
+                <a:solidFill>
+                  <a:srgbClr val="000080"/>
+                </a:solidFill>
+                <a:latin typeface="Consolas" panose="020B0609020204030204" pitchFamily="49" charset="0"/>
+                <a:cs typeface="Consolas" panose="020B0609020204030204" pitchFamily="49" charset="0"/>
+              </a:rPr>
+              <a:t>=</a:t>
+            </a:r>
+            <a:r>
+              <a:rPr lang="nn-NO" dirty="0">
+                <a:latin typeface="Consolas" panose="020B0609020204030204" pitchFamily="49" charset="0"/>
+                <a:cs typeface="Consolas" panose="020B0609020204030204" pitchFamily="49" charset="0"/>
+              </a:rPr>
+              <a:t> </a:t>
+            </a:r>
+            <a:r>
+              <a:rPr lang="nn-NO" dirty="0">
+                <a:solidFill>
+                  <a:srgbClr val="0000DD"/>
+                </a:solidFill>
+                <a:latin typeface="Consolas" panose="020B0609020204030204" pitchFamily="49" charset="0"/>
+                <a:cs typeface="Consolas" panose="020B0609020204030204" pitchFamily="49" charset="0"/>
+              </a:rPr>
+              <a:t>new</a:t>
+            </a:r>
+            <a:r>
+              <a:rPr lang="nn-NO" dirty="0">
+                <a:latin typeface="Consolas" panose="020B0609020204030204" pitchFamily="49" charset="0"/>
+                <a:cs typeface="Consolas" panose="020B0609020204030204" pitchFamily="49" charset="0"/>
+              </a:rPr>
+              <a:t> </a:t>
+            </a:r>
+            <a:r>
+              <a:rPr lang="nn-NO" dirty="0" smtClean="0">
+                <a:solidFill>
+                  <a:srgbClr val="0000FF"/>
+                </a:solidFill>
+                <a:latin typeface="Consolas" panose="020B0609020204030204" pitchFamily="49" charset="0"/>
+                <a:cs typeface="Consolas" panose="020B0609020204030204" pitchFamily="49" charset="0"/>
+              </a:rPr>
+              <a:t>int</a:t>
+            </a:r>
+            <a:r>
+              <a:rPr lang="nn-NO" dirty="0" smtClean="0">
+                <a:solidFill>
+                  <a:srgbClr val="008000"/>
+                </a:solidFill>
+                <a:latin typeface="Consolas" panose="020B0609020204030204" pitchFamily="49" charset="0"/>
+                <a:cs typeface="Consolas" panose="020B0609020204030204" pitchFamily="49" charset="0"/>
+              </a:rPr>
+              <a:t>[</a:t>
+            </a:r>
+            <a:r>
+              <a:rPr lang="nn-NO" dirty="0" smtClean="0">
+                <a:solidFill>
+                  <a:srgbClr val="0000DD"/>
+                </a:solidFill>
+                <a:latin typeface="Consolas" panose="020B0609020204030204" pitchFamily="49" charset="0"/>
+                <a:cs typeface="Consolas" panose="020B0609020204030204" pitchFamily="49" charset="0"/>
+              </a:rPr>
+              <a:t>10</a:t>
+            </a:r>
+            <a:r>
+              <a:rPr lang="nn-NO" dirty="0" smtClean="0">
+                <a:solidFill>
+                  <a:srgbClr val="008000"/>
+                </a:solidFill>
+                <a:latin typeface="Consolas" panose="020B0609020204030204" pitchFamily="49" charset="0"/>
+                <a:cs typeface="Consolas" panose="020B0609020204030204" pitchFamily="49" charset="0"/>
+              </a:rPr>
+              <a:t>][</a:t>
+            </a:r>
+            <a:r>
+              <a:rPr lang="nn-NO" dirty="0" smtClean="0">
+                <a:solidFill>
+                  <a:srgbClr val="0000FF"/>
+                </a:solidFill>
+                <a:latin typeface="Consolas" panose="020B0609020204030204" pitchFamily="49" charset="0"/>
+                <a:cs typeface="Consolas" panose="020B0609020204030204" pitchFamily="49" charset="0"/>
+              </a:rPr>
+              <a:t>5</a:t>
+            </a:r>
+            <a:r>
+              <a:rPr lang="nn-NO" dirty="0" smtClean="0">
+                <a:solidFill>
+                  <a:srgbClr val="008000"/>
+                </a:solidFill>
+                <a:latin typeface="Consolas" panose="020B0609020204030204" pitchFamily="49" charset="0"/>
+                <a:cs typeface="Consolas" panose="020B0609020204030204" pitchFamily="49" charset="0"/>
+              </a:rPr>
+              <a:t>]</a:t>
+            </a:r>
+            <a:r>
+              <a:rPr lang="nn-NO" dirty="0" smtClean="0">
+                <a:solidFill>
+                  <a:srgbClr val="008080"/>
+                </a:solidFill>
+                <a:latin typeface="Consolas" panose="020B0609020204030204" pitchFamily="49" charset="0"/>
+                <a:cs typeface="Consolas" panose="020B0609020204030204" pitchFamily="49" charset="0"/>
+              </a:rPr>
+              <a:t>;</a:t>
+            </a:r>
+            <a:endParaRPr lang="nn-NO" dirty="0" smtClean="0">
+              <a:solidFill>
+                <a:srgbClr val="008080"/>
+              </a:solidFill>
+              <a:latin typeface="Consolas" panose="020B0609020204030204" pitchFamily="49" charset="0"/>
+              <a:cs typeface="Consolas" panose="020B0609020204030204" pitchFamily="49" charset="0"/>
+            </a:endParaRPr>
+          </a:p>
+          <a:p>
+            <a:endParaRPr lang="nn-NO" dirty="0" smtClean="0">
+              <a:solidFill>
+                <a:srgbClr val="0000FF"/>
+              </a:solidFill>
+              <a:latin typeface="Consolas" panose="020B0609020204030204" pitchFamily="49" charset="0"/>
+              <a:cs typeface="Consolas" panose="020B0609020204030204" pitchFamily="49" charset="0"/>
+            </a:endParaRPr>
+          </a:p>
+          <a:p>
+            <a:r>
+              <a:rPr lang="nn-NO" dirty="0">
+                <a:solidFill>
+                  <a:srgbClr val="666666"/>
+                </a:solidFill>
+                <a:latin typeface="Consolas" panose="020B0609020204030204" pitchFamily="49" charset="0"/>
+                <a:cs typeface="Consolas" panose="020B0609020204030204" pitchFamily="49" charset="0"/>
+              </a:rPr>
+              <a:t>// </a:t>
+            </a:r>
+            <a:r>
               <a:rPr lang="ru-RU" dirty="0" smtClean="0">
-                <a:latin typeface="Consolas" panose="020B0609020204030204" pitchFamily="49" charset="0"/>
-                <a:cs typeface="Consolas" panose="020B0609020204030204" pitchFamily="49" charset="0"/>
-              </a:rPr>
-              <a:t>Использование динамически объявленных массивов полностью идентично использованию статических массивов</a:t>
-            </a:r>
+                <a:solidFill>
+                  <a:srgbClr val="666666"/>
+                </a:solidFill>
+                <a:latin typeface="Consolas" panose="020B0609020204030204" pitchFamily="49" charset="0"/>
+                <a:cs typeface="Consolas" panose="020B0609020204030204" pitchFamily="49" charset="0"/>
+              </a:rPr>
+              <a:t>Освобождаем </a:t>
+            </a:r>
+            <a:r>
+              <a:rPr lang="ru-RU" dirty="0" smtClean="0">
+                <a:solidFill>
+                  <a:srgbClr val="666666"/>
+                </a:solidFill>
+                <a:latin typeface="Consolas" panose="020B0609020204030204" pitchFamily="49" charset="0"/>
+                <a:cs typeface="Consolas" panose="020B0609020204030204" pitchFamily="49" charset="0"/>
+              </a:rPr>
+              <a:t>память</a:t>
+            </a:r>
+            <a:endParaRPr lang="nn-NO" dirty="0">
+              <a:solidFill>
+                <a:srgbClr val="0000FF"/>
+              </a:solidFill>
+              <a:latin typeface="Consolas" panose="020B0609020204030204" pitchFamily="49" charset="0"/>
+              <a:cs typeface="Consolas" panose="020B0609020204030204" pitchFamily="49" charset="0"/>
+            </a:endParaRPr>
+          </a:p>
+          <a:p>
+            <a:r>
+              <a:rPr lang="nn-NO" dirty="0" smtClean="0">
+                <a:solidFill>
+                  <a:srgbClr val="0000DD"/>
+                </a:solidFill>
+                <a:latin typeface="Consolas" panose="020B0609020204030204" pitchFamily="49" charset="0"/>
+                <a:cs typeface="Consolas" panose="020B0609020204030204" pitchFamily="49" charset="0"/>
+              </a:rPr>
+              <a:t>delete</a:t>
+            </a:r>
+            <a:r>
+              <a:rPr lang="nn-NO" dirty="0">
+                <a:solidFill>
+                  <a:srgbClr val="008000"/>
+                </a:solidFill>
+                <a:latin typeface="Consolas" panose="020B0609020204030204" pitchFamily="49" charset="0"/>
+                <a:cs typeface="Consolas" panose="020B0609020204030204" pitchFamily="49" charset="0"/>
+              </a:rPr>
+              <a:t>[]</a:t>
+            </a:r>
+            <a:r>
+              <a:rPr lang="nn-NO" dirty="0">
+                <a:latin typeface="Consolas" panose="020B0609020204030204" pitchFamily="49" charset="0"/>
+                <a:cs typeface="Consolas" panose="020B0609020204030204" pitchFamily="49" charset="0"/>
+              </a:rPr>
+              <a:t> array</a:t>
+            </a:r>
+            <a:r>
+              <a:rPr lang="nn-NO" dirty="0">
+                <a:solidFill>
+                  <a:srgbClr val="008080"/>
+                </a:solidFill>
+                <a:latin typeface="Consolas" panose="020B0609020204030204" pitchFamily="49" charset="0"/>
+                <a:cs typeface="Consolas" panose="020B0609020204030204" pitchFamily="49" charset="0"/>
+              </a:rPr>
+              <a:t>;</a:t>
+            </a:r>
+            <a:endParaRPr lang="ru-RU" dirty="0" smtClean="0">
+              <a:latin typeface="Consolas" panose="020B0609020204030204" pitchFamily="49" charset="0"/>
+              <a:cs typeface="Consolas" panose="020B0609020204030204" pitchFamily="49" charset="0"/>
+            </a:endParaRPr>
+          </a:p>
+          <a:p>
+            <a:endParaRPr lang="ru-RU" dirty="0" smtClean="0">
+              <a:latin typeface="Consolas" panose="020B0609020204030204" pitchFamily="49" charset="0"/>
+              <a:cs typeface="Consolas" panose="020B0609020204030204" pitchFamily="49" charset="0"/>
+            </a:endParaRPr>
+          </a:p>
+        </p:txBody>
+      </p:sp>
+    </p:spTree>
+    <p:extLst>
+      <p:ext uri="{BB962C8B-B14F-4D97-AF65-F5344CB8AC3E}">
+        <p14:creationId xmlns:p14="http://schemas.microsoft.com/office/powerpoint/2010/main" val="3994659728"/>
+      </p:ext>
+    </p:extLst>
+  </p:cSld>
+  <p:clrMapOvr>
+    <a:masterClrMapping/>
+  </p:clrMapOvr>
+  <p:timing>
+    <p:tnLst>
+      <p:par>
+        <p:cTn id="1" dur="indefinite" restart="never" nodeType="tmRoot"/>
+      </p:par>
+    </p:tnLst>
+  </p:timing>
+</p:sld>
+</file>
+
+<file path=ppt/slides/slide24.xml><?xml version="1.0" encoding="utf-8"?>
+<p:sld xmlns:a="http://schemas.openxmlformats.org/drawingml/2006/main" xmlns:r="http://schemas.openxmlformats.org/officeDocument/2006/relationships" xmlns:p="http://schemas.openxmlformats.org/presentationml/2006/main">
+  <p:cSld>
+    <p:spTree>
+      <p:nvGrpSpPr>
+        <p:cNvPr id="1" name=""/>
+        <p:cNvGrpSpPr/>
+        <p:nvPr/>
+      </p:nvGrpSpPr>
+      <p:grpSpPr>
+        <a:xfrm>
+          <a:off x="0" y="0"/>
+          <a:ext cx="0" cy="0"/>
+          <a:chOff x="0" y="0"/>
+          <a:chExt cx="0" cy="0"/>
+        </a:xfrm>
+      </p:grpSpPr>
+      <p:sp>
+        <p:nvSpPr>
+          <p:cNvPr id="2" name="Заголовок 1"/>
+          <p:cNvSpPr>
+            <a:spLocks noGrp="1"/>
+          </p:cNvSpPr>
+          <p:nvPr>
+            <p:ph type="title"/>
+          </p:nvPr>
+        </p:nvSpPr>
+        <p:spPr/>
+        <p:txBody>
+          <a:bodyPr/>
+          <a:lstStyle/>
+          <a:p>
+            <a:r>
+              <a:rPr lang="ru-RU" dirty="0" smtClean="0"/>
+              <a:t>Объявление </a:t>
+            </a:r>
+            <a:r>
+              <a:rPr lang="en-US" dirty="0" smtClean="0"/>
+              <a:t>III</a:t>
+            </a:r>
+            <a:endParaRPr lang="ru-RU" dirty="0"/>
+          </a:p>
+        </p:txBody>
+      </p:sp>
+      <p:sp>
+        <p:nvSpPr>
+          <p:cNvPr id="3" name="Объект 2"/>
+          <p:cNvSpPr>
+            <a:spLocks noGrp="1"/>
+          </p:cNvSpPr>
+          <p:nvPr>
+            <p:ph idx="1"/>
+          </p:nvPr>
+        </p:nvSpPr>
+        <p:spPr>
+          <a:xfrm>
+            <a:off x="1187623" y="1600200"/>
+            <a:ext cx="7839872" cy="4525963"/>
+          </a:xfrm>
+        </p:spPr>
+        <p:txBody>
+          <a:bodyPr>
+            <a:normAutofit/>
+          </a:bodyPr>
+          <a:lstStyle/>
+          <a:p>
+            <a:r>
+              <a:rPr lang="nn-NO" dirty="0">
+                <a:solidFill>
+                  <a:srgbClr val="666666"/>
+                </a:solidFill>
+                <a:latin typeface="Consolas" panose="020B0609020204030204" pitchFamily="49" charset="0"/>
+                <a:cs typeface="Consolas" panose="020B0609020204030204" pitchFamily="49" charset="0"/>
+              </a:rPr>
+              <a:t>// int array[10][5</a:t>
+            </a:r>
+            <a:r>
+              <a:rPr lang="nn-NO" dirty="0" smtClean="0">
+                <a:solidFill>
+                  <a:srgbClr val="666666"/>
+                </a:solidFill>
+                <a:latin typeface="Consolas" panose="020B0609020204030204" pitchFamily="49" charset="0"/>
+                <a:cs typeface="Consolas" panose="020B0609020204030204" pitchFamily="49" charset="0"/>
+              </a:rPr>
+              <a:t>];</a:t>
+            </a:r>
+            <a:endParaRPr lang="nn-NO" dirty="0" smtClean="0">
+              <a:latin typeface="Consolas" panose="020B0609020204030204" pitchFamily="49" charset="0"/>
+              <a:cs typeface="Consolas" panose="020B0609020204030204" pitchFamily="49" charset="0"/>
+            </a:endParaRPr>
+          </a:p>
+          <a:p>
+            <a:r>
+              <a:rPr lang="nn-NO" dirty="0" smtClean="0">
+                <a:solidFill>
+                  <a:srgbClr val="0000FF"/>
+                </a:solidFill>
+                <a:latin typeface="Consolas" panose="020B0609020204030204" pitchFamily="49" charset="0"/>
+                <a:cs typeface="Consolas" panose="020B0609020204030204" pitchFamily="49" charset="0"/>
+              </a:rPr>
+              <a:t>int</a:t>
+            </a:r>
+            <a:r>
+              <a:rPr lang="nn-NO" dirty="0" smtClean="0">
+                <a:latin typeface="Consolas" panose="020B0609020204030204" pitchFamily="49" charset="0"/>
+                <a:cs typeface="Consolas" panose="020B0609020204030204" pitchFamily="49" charset="0"/>
+              </a:rPr>
+              <a:t> </a:t>
+            </a:r>
+            <a:r>
+              <a:rPr lang="nn-NO" dirty="0">
+                <a:solidFill>
+                  <a:srgbClr val="008000"/>
+                </a:solidFill>
+                <a:latin typeface="Consolas" panose="020B0609020204030204" pitchFamily="49" charset="0"/>
+                <a:cs typeface="Consolas" panose="020B0609020204030204" pitchFamily="49" charset="0"/>
+              </a:rPr>
+              <a:t>(</a:t>
+            </a:r>
+            <a:r>
+              <a:rPr lang="nn-NO" dirty="0" smtClean="0">
+                <a:solidFill>
+                  <a:srgbClr val="000040"/>
+                </a:solidFill>
+                <a:latin typeface="Consolas" panose="020B0609020204030204" pitchFamily="49" charset="0"/>
+                <a:cs typeface="Consolas" panose="020B0609020204030204" pitchFamily="49" charset="0"/>
+              </a:rPr>
+              <a:t>*</a:t>
+            </a:r>
+            <a:r>
+              <a:rPr lang="nn-NO" dirty="0" smtClean="0">
+                <a:latin typeface="Consolas" panose="020B0609020204030204" pitchFamily="49" charset="0"/>
+                <a:cs typeface="Consolas" panose="020B0609020204030204" pitchFamily="49" charset="0"/>
+              </a:rPr>
+              <a:t>array</a:t>
+            </a:r>
+            <a:r>
+              <a:rPr lang="nn-NO" dirty="0">
+                <a:solidFill>
+                  <a:srgbClr val="008000"/>
+                </a:solidFill>
+                <a:latin typeface="Consolas" panose="020B0609020204030204" pitchFamily="49" charset="0"/>
+                <a:cs typeface="Consolas" panose="020B0609020204030204" pitchFamily="49" charset="0"/>
+              </a:rPr>
+              <a:t>)</a:t>
+            </a:r>
+            <a:r>
+              <a:rPr lang="nn-NO" dirty="0" smtClean="0">
+                <a:solidFill>
+                  <a:srgbClr val="008000"/>
+                </a:solidFill>
+                <a:latin typeface="Consolas" panose="020B0609020204030204" pitchFamily="49" charset="0"/>
+                <a:cs typeface="Consolas" panose="020B0609020204030204" pitchFamily="49" charset="0"/>
+              </a:rPr>
+              <a:t>[</a:t>
+            </a:r>
+            <a:r>
+              <a:rPr lang="nn-NO" dirty="0" smtClean="0">
+                <a:solidFill>
+                  <a:srgbClr val="0000DD"/>
+                </a:solidFill>
+                <a:latin typeface="Consolas" panose="020B0609020204030204" pitchFamily="49" charset="0"/>
+                <a:cs typeface="Consolas" panose="020B0609020204030204" pitchFamily="49" charset="0"/>
+              </a:rPr>
+              <a:t>5</a:t>
+            </a:r>
+            <a:r>
+              <a:rPr lang="nn-NO" dirty="0" smtClean="0">
+                <a:solidFill>
+                  <a:srgbClr val="008000"/>
+                </a:solidFill>
+                <a:latin typeface="Consolas" panose="020B0609020204030204" pitchFamily="49" charset="0"/>
+                <a:cs typeface="Consolas" panose="020B0609020204030204" pitchFamily="49" charset="0"/>
+              </a:rPr>
+              <a:t>]</a:t>
+            </a:r>
+            <a:r>
+              <a:rPr lang="nn-NO" dirty="0" smtClean="0">
+                <a:latin typeface="Consolas" panose="020B0609020204030204" pitchFamily="49" charset="0"/>
+                <a:cs typeface="Consolas" panose="020B0609020204030204" pitchFamily="49" charset="0"/>
+              </a:rPr>
+              <a:t> </a:t>
+            </a:r>
+            <a:r>
+              <a:rPr lang="nn-NO" dirty="0">
+                <a:solidFill>
+                  <a:srgbClr val="000080"/>
+                </a:solidFill>
+                <a:latin typeface="Consolas" panose="020B0609020204030204" pitchFamily="49" charset="0"/>
+                <a:cs typeface="Consolas" panose="020B0609020204030204" pitchFamily="49" charset="0"/>
+              </a:rPr>
+              <a:t>=</a:t>
+            </a:r>
+            <a:r>
+              <a:rPr lang="nn-NO" dirty="0">
+                <a:latin typeface="Consolas" panose="020B0609020204030204" pitchFamily="49" charset="0"/>
+                <a:cs typeface="Consolas" panose="020B0609020204030204" pitchFamily="49" charset="0"/>
+              </a:rPr>
+              <a:t> </a:t>
+            </a:r>
+            <a:r>
+              <a:rPr lang="nn-NO" dirty="0">
+                <a:solidFill>
+                  <a:srgbClr val="0000DD"/>
+                </a:solidFill>
+                <a:latin typeface="Consolas" panose="020B0609020204030204" pitchFamily="49" charset="0"/>
+                <a:cs typeface="Consolas" panose="020B0609020204030204" pitchFamily="49" charset="0"/>
+              </a:rPr>
+              <a:t>new</a:t>
+            </a:r>
+            <a:r>
+              <a:rPr lang="nn-NO" dirty="0">
+                <a:latin typeface="Consolas" panose="020B0609020204030204" pitchFamily="49" charset="0"/>
+                <a:cs typeface="Consolas" panose="020B0609020204030204" pitchFamily="49" charset="0"/>
+              </a:rPr>
+              <a:t> </a:t>
+            </a:r>
+            <a:r>
+              <a:rPr lang="nn-NO" dirty="0" smtClean="0">
+                <a:solidFill>
+                  <a:srgbClr val="0000FF"/>
+                </a:solidFill>
+                <a:latin typeface="Consolas" panose="020B0609020204030204" pitchFamily="49" charset="0"/>
+                <a:cs typeface="Consolas" panose="020B0609020204030204" pitchFamily="49" charset="0"/>
+              </a:rPr>
+              <a:t>int</a:t>
+            </a:r>
+            <a:r>
+              <a:rPr lang="nn-NO" dirty="0" smtClean="0">
+                <a:solidFill>
+                  <a:srgbClr val="008000"/>
+                </a:solidFill>
+                <a:latin typeface="Consolas" panose="020B0609020204030204" pitchFamily="49" charset="0"/>
+                <a:cs typeface="Consolas" panose="020B0609020204030204" pitchFamily="49" charset="0"/>
+              </a:rPr>
+              <a:t>[</a:t>
+            </a:r>
+            <a:r>
+              <a:rPr lang="nn-NO" dirty="0" smtClean="0">
+                <a:solidFill>
+                  <a:srgbClr val="0000DD"/>
+                </a:solidFill>
+                <a:latin typeface="Consolas" panose="020B0609020204030204" pitchFamily="49" charset="0"/>
+                <a:cs typeface="Consolas" panose="020B0609020204030204" pitchFamily="49" charset="0"/>
+              </a:rPr>
+              <a:t>10</a:t>
+            </a:r>
+            <a:r>
+              <a:rPr lang="nn-NO" dirty="0" smtClean="0">
+                <a:solidFill>
+                  <a:srgbClr val="008000"/>
+                </a:solidFill>
+                <a:latin typeface="Consolas" panose="020B0609020204030204" pitchFamily="49" charset="0"/>
+                <a:cs typeface="Consolas" panose="020B0609020204030204" pitchFamily="49" charset="0"/>
+              </a:rPr>
+              <a:t>][</a:t>
+            </a:r>
+            <a:r>
+              <a:rPr lang="nn-NO" dirty="0" smtClean="0">
+                <a:solidFill>
+                  <a:srgbClr val="0000FF"/>
+                </a:solidFill>
+                <a:latin typeface="Consolas" panose="020B0609020204030204" pitchFamily="49" charset="0"/>
+                <a:cs typeface="Consolas" panose="020B0609020204030204" pitchFamily="49" charset="0"/>
+              </a:rPr>
+              <a:t>5</a:t>
+            </a:r>
+            <a:r>
+              <a:rPr lang="nn-NO" dirty="0" smtClean="0">
+                <a:solidFill>
+                  <a:srgbClr val="008000"/>
+                </a:solidFill>
+                <a:latin typeface="Consolas" panose="020B0609020204030204" pitchFamily="49" charset="0"/>
+                <a:cs typeface="Consolas" panose="020B0609020204030204" pitchFamily="49" charset="0"/>
+              </a:rPr>
+              <a:t>]</a:t>
+            </a:r>
+            <a:r>
+              <a:rPr lang="nn-NO" dirty="0" smtClean="0">
+                <a:solidFill>
+                  <a:srgbClr val="008080"/>
+                </a:solidFill>
+                <a:latin typeface="Consolas" panose="020B0609020204030204" pitchFamily="49" charset="0"/>
+                <a:cs typeface="Consolas" panose="020B0609020204030204" pitchFamily="49" charset="0"/>
+              </a:rPr>
+              <a:t>;</a:t>
+            </a:r>
+            <a:endParaRPr lang="nn-NO" dirty="0" smtClean="0">
+              <a:solidFill>
+                <a:srgbClr val="008080"/>
+              </a:solidFill>
+              <a:latin typeface="Consolas" panose="020B0609020204030204" pitchFamily="49" charset="0"/>
+              <a:cs typeface="Consolas" panose="020B0609020204030204" pitchFamily="49" charset="0"/>
+            </a:endParaRPr>
+          </a:p>
+          <a:p>
+            <a:endParaRPr lang="nn-NO" dirty="0" smtClean="0">
+              <a:solidFill>
+                <a:srgbClr val="0000FF"/>
+              </a:solidFill>
+              <a:latin typeface="Consolas" panose="020B0609020204030204" pitchFamily="49" charset="0"/>
+              <a:cs typeface="Consolas" panose="020B0609020204030204" pitchFamily="49" charset="0"/>
+            </a:endParaRPr>
+          </a:p>
+          <a:p>
+            <a:r>
+              <a:rPr lang="nn-NO" dirty="0">
+                <a:solidFill>
+                  <a:srgbClr val="666666"/>
+                </a:solidFill>
+                <a:latin typeface="Consolas" panose="020B0609020204030204" pitchFamily="49" charset="0"/>
+                <a:cs typeface="Consolas" panose="020B0609020204030204" pitchFamily="49" charset="0"/>
+              </a:rPr>
+              <a:t>// </a:t>
+            </a:r>
+            <a:r>
+              <a:rPr lang="ru-RU" dirty="0" smtClean="0">
+                <a:solidFill>
+                  <a:srgbClr val="666666"/>
+                </a:solidFill>
+                <a:latin typeface="Consolas" panose="020B0609020204030204" pitchFamily="49" charset="0"/>
+                <a:cs typeface="Consolas" panose="020B0609020204030204" pitchFamily="49" charset="0"/>
+              </a:rPr>
+              <a:t>Освобождаем </a:t>
+            </a:r>
+            <a:r>
+              <a:rPr lang="ru-RU" dirty="0" smtClean="0">
+                <a:solidFill>
+                  <a:srgbClr val="666666"/>
+                </a:solidFill>
+                <a:latin typeface="Consolas" panose="020B0609020204030204" pitchFamily="49" charset="0"/>
+                <a:cs typeface="Consolas" panose="020B0609020204030204" pitchFamily="49" charset="0"/>
+              </a:rPr>
+              <a:t>память</a:t>
+            </a:r>
+            <a:endParaRPr lang="nn-NO" dirty="0">
+              <a:solidFill>
+                <a:srgbClr val="0000FF"/>
+              </a:solidFill>
+              <a:latin typeface="Consolas" panose="020B0609020204030204" pitchFamily="49" charset="0"/>
+              <a:cs typeface="Consolas" panose="020B0609020204030204" pitchFamily="49" charset="0"/>
+            </a:endParaRPr>
+          </a:p>
+          <a:p>
+            <a:r>
+              <a:rPr lang="nn-NO" dirty="0" smtClean="0">
+                <a:solidFill>
+                  <a:srgbClr val="0000DD"/>
+                </a:solidFill>
+                <a:latin typeface="Consolas" panose="020B0609020204030204" pitchFamily="49" charset="0"/>
+                <a:cs typeface="Consolas" panose="020B0609020204030204" pitchFamily="49" charset="0"/>
+              </a:rPr>
+              <a:t>delete</a:t>
+            </a:r>
+            <a:r>
+              <a:rPr lang="nn-NO" dirty="0">
+                <a:solidFill>
+                  <a:srgbClr val="008000"/>
+                </a:solidFill>
+                <a:latin typeface="Consolas" panose="020B0609020204030204" pitchFamily="49" charset="0"/>
+                <a:cs typeface="Consolas" panose="020B0609020204030204" pitchFamily="49" charset="0"/>
+              </a:rPr>
+              <a:t>[]</a:t>
+            </a:r>
+            <a:r>
+              <a:rPr lang="nn-NO" dirty="0">
+                <a:latin typeface="Consolas" panose="020B0609020204030204" pitchFamily="49" charset="0"/>
+                <a:cs typeface="Consolas" panose="020B0609020204030204" pitchFamily="49" charset="0"/>
+              </a:rPr>
+              <a:t> array</a:t>
+            </a:r>
+            <a:r>
+              <a:rPr lang="nn-NO" dirty="0">
+                <a:solidFill>
+                  <a:srgbClr val="008080"/>
+                </a:solidFill>
+                <a:latin typeface="Consolas" panose="020B0609020204030204" pitchFamily="49" charset="0"/>
+                <a:cs typeface="Consolas" panose="020B0609020204030204" pitchFamily="49" charset="0"/>
+              </a:rPr>
+              <a:t>;</a:t>
+            </a:r>
+            <a:endParaRPr lang="ru-RU" dirty="0" smtClean="0">
+              <a:latin typeface="Consolas" panose="020B0609020204030204" pitchFamily="49" charset="0"/>
+              <a:cs typeface="Consolas" panose="020B0609020204030204" pitchFamily="49" charset="0"/>
+            </a:endParaRPr>
+          </a:p>
+          <a:p>
+            <a:endParaRPr lang="ru-RU" dirty="0" smtClean="0">
+              <a:latin typeface="Consolas" panose="020B0609020204030204" pitchFamily="49" charset="0"/>
+              <a:cs typeface="Consolas" panose="020B0609020204030204" pitchFamily="49" charset="0"/>
+            </a:endParaRPr>
+          </a:p>
+        </p:txBody>
+      </p:sp>
+    </p:spTree>
+    <p:extLst>
+      <p:ext uri="{BB962C8B-B14F-4D97-AF65-F5344CB8AC3E}">
+        <p14:creationId xmlns:p14="http://schemas.microsoft.com/office/powerpoint/2010/main" val="2122992983"/>
+      </p:ext>
+    </p:extLst>
+  </p:cSld>
+  <p:clrMapOvr>
+    <a:masterClrMapping/>
+  </p:clrMapOvr>
+  <p:timing>
+    <p:tnLst>
+      <p:par>
+        <p:cTn id="1" dur="indefinite" restart="never" nodeType="tmRoot"/>
+      </p:par>
+    </p:tnLst>
+  </p:timing>
+</p:sld>
+</file>
+
+<file path=ppt/slides/slide25.xml><?xml version="1.0" encoding="utf-8"?>
+<p:sld xmlns:a="http://schemas.openxmlformats.org/drawingml/2006/main" xmlns:r="http://schemas.openxmlformats.org/officeDocument/2006/relationships" xmlns:p="http://schemas.openxmlformats.org/presentationml/2006/main">
+  <p:cSld>
+    <p:spTree>
+      <p:nvGrpSpPr>
+        <p:cNvPr id="1" name=""/>
+        <p:cNvGrpSpPr/>
+        <p:nvPr/>
+      </p:nvGrpSpPr>
+      <p:grpSpPr>
+        <a:xfrm>
+          <a:off x="0" y="0"/>
+          <a:ext cx="0" cy="0"/>
+          <a:chOff x="0" y="0"/>
+          <a:chExt cx="0" cy="0"/>
+        </a:xfrm>
+      </p:grpSpPr>
+      <p:sp>
+        <p:nvSpPr>
+          <p:cNvPr id="2" name="Заголовок 1"/>
+          <p:cNvSpPr>
+            <a:spLocks noGrp="1"/>
+          </p:cNvSpPr>
+          <p:nvPr>
+            <p:ph type="title"/>
+          </p:nvPr>
+        </p:nvSpPr>
+        <p:spPr/>
+        <p:txBody>
+          <a:bodyPr/>
+          <a:lstStyle/>
+          <a:p>
+            <a:r>
+              <a:rPr lang="ru-RU" dirty="0" smtClean="0"/>
+              <a:t>Инициализация</a:t>
+            </a:r>
+            <a:endParaRPr lang="ru-RU" dirty="0"/>
+          </a:p>
+        </p:txBody>
+      </p:sp>
+      <p:sp>
+        <p:nvSpPr>
+          <p:cNvPr id="3" name="Объект 2"/>
+          <p:cNvSpPr>
+            <a:spLocks noGrp="1"/>
+          </p:cNvSpPr>
+          <p:nvPr>
+            <p:ph idx="1"/>
+          </p:nvPr>
+        </p:nvSpPr>
+        <p:spPr>
+          <a:xfrm>
+            <a:off x="1187623" y="1600200"/>
+            <a:ext cx="7839872" cy="4525963"/>
+          </a:xfrm>
+        </p:spPr>
+        <p:txBody>
+          <a:bodyPr>
+            <a:normAutofit/>
+          </a:bodyPr>
+          <a:lstStyle/>
+          <a:p>
+            <a:r>
+              <a:rPr lang="nn-NO" dirty="0">
+                <a:solidFill>
+                  <a:srgbClr val="666666"/>
+                </a:solidFill>
+                <a:latin typeface="Consolas" panose="020B0609020204030204" pitchFamily="49" charset="0"/>
+                <a:cs typeface="Consolas" panose="020B0609020204030204" pitchFamily="49" charset="0"/>
+              </a:rPr>
+              <a:t>// int </a:t>
+            </a:r>
+            <a:r>
+              <a:rPr lang="nn-NO" dirty="0" smtClean="0">
+                <a:solidFill>
+                  <a:srgbClr val="666666"/>
+                </a:solidFill>
+                <a:latin typeface="Consolas" panose="020B0609020204030204" pitchFamily="49" charset="0"/>
+                <a:cs typeface="Consolas" panose="020B0609020204030204" pitchFamily="49" charset="0"/>
+              </a:rPr>
+              <a:t>array[2][</a:t>
+            </a:r>
+            <a:r>
+              <a:rPr lang="nn-NO" dirty="0">
+                <a:solidFill>
+                  <a:srgbClr val="666666"/>
+                </a:solidFill>
+                <a:latin typeface="Consolas" panose="020B0609020204030204" pitchFamily="49" charset="0"/>
+                <a:cs typeface="Consolas" panose="020B0609020204030204" pitchFamily="49" charset="0"/>
+              </a:rPr>
+              <a:t>5</a:t>
+            </a:r>
+            <a:r>
+              <a:rPr lang="nn-NO" dirty="0" smtClean="0">
+                <a:solidFill>
+                  <a:srgbClr val="666666"/>
+                </a:solidFill>
+                <a:latin typeface="Consolas" panose="020B0609020204030204" pitchFamily="49" charset="0"/>
+                <a:cs typeface="Consolas" panose="020B0609020204030204" pitchFamily="49" charset="0"/>
+              </a:rPr>
+              <a:t>];</a:t>
+            </a:r>
+            <a:endParaRPr lang="nn-NO" dirty="0" smtClean="0">
+              <a:latin typeface="Consolas" panose="020B0609020204030204" pitchFamily="49" charset="0"/>
+              <a:cs typeface="Consolas" panose="020B0609020204030204" pitchFamily="49" charset="0"/>
+            </a:endParaRPr>
+          </a:p>
+          <a:p>
+            <a:r>
+              <a:rPr lang="ru-RU" dirty="0">
+                <a:solidFill>
+                  <a:srgbClr val="666666"/>
+                </a:solidFill>
+                <a:latin typeface="Consolas" panose="020B0609020204030204" pitchFamily="49" charset="0"/>
+                <a:cs typeface="Consolas" panose="020B0609020204030204" pitchFamily="49" charset="0"/>
+              </a:rPr>
+              <a:t>// Начиная с С++11 можно так:</a:t>
+            </a:r>
+          </a:p>
+          <a:p>
+            <a:r>
+              <a:rPr lang="nn-NO" dirty="0" smtClean="0">
+                <a:solidFill>
+                  <a:srgbClr val="0000FF"/>
+                </a:solidFill>
+                <a:latin typeface="Consolas" panose="020B0609020204030204" pitchFamily="49" charset="0"/>
+                <a:cs typeface="Consolas" panose="020B0609020204030204" pitchFamily="49" charset="0"/>
+              </a:rPr>
+              <a:t>int</a:t>
+            </a:r>
+            <a:r>
+              <a:rPr lang="nn-NO" dirty="0" smtClean="0">
+                <a:latin typeface="Consolas" panose="020B0609020204030204" pitchFamily="49" charset="0"/>
+                <a:cs typeface="Consolas" panose="020B0609020204030204" pitchFamily="49" charset="0"/>
+              </a:rPr>
+              <a:t> </a:t>
+            </a:r>
+            <a:r>
+              <a:rPr lang="nn-NO" dirty="0">
+                <a:solidFill>
+                  <a:srgbClr val="008000"/>
+                </a:solidFill>
+                <a:latin typeface="Consolas" panose="020B0609020204030204" pitchFamily="49" charset="0"/>
+                <a:cs typeface="Consolas" panose="020B0609020204030204" pitchFamily="49" charset="0"/>
+              </a:rPr>
+              <a:t>(</a:t>
+            </a:r>
+            <a:r>
+              <a:rPr lang="nn-NO" dirty="0" smtClean="0">
+                <a:solidFill>
+                  <a:srgbClr val="000040"/>
+                </a:solidFill>
+                <a:latin typeface="Consolas" panose="020B0609020204030204" pitchFamily="49" charset="0"/>
+                <a:cs typeface="Consolas" panose="020B0609020204030204" pitchFamily="49" charset="0"/>
+              </a:rPr>
+              <a:t>*</a:t>
+            </a:r>
+            <a:r>
+              <a:rPr lang="nn-NO" dirty="0" smtClean="0">
+                <a:latin typeface="Consolas" panose="020B0609020204030204" pitchFamily="49" charset="0"/>
+                <a:cs typeface="Consolas" panose="020B0609020204030204" pitchFamily="49" charset="0"/>
+              </a:rPr>
+              <a:t>array</a:t>
+            </a:r>
+            <a:r>
+              <a:rPr lang="nn-NO" dirty="0">
+                <a:solidFill>
+                  <a:srgbClr val="008000"/>
+                </a:solidFill>
+                <a:latin typeface="Consolas" panose="020B0609020204030204" pitchFamily="49" charset="0"/>
+                <a:cs typeface="Consolas" panose="020B0609020204030204" pitchFamily="49" charset="0"/>
+              </a:rPr>
+              <a:t>)</a:t>
+            </a:r>
+            <a:r>
+              <a:rPr lang="nn-NO" dirty="0" smtClean="0">
+                <a:solidFill>
+                  <a:srgbClr val="008000"/>
+                </a:solidFill>
+                <a:latin typeface="Consolas" panose="020B0609020204030204" pitchFamily="49" charset="0"/>
+                <a:cs typeface="Consolas" panose="020B0609020204030204" pitchFamily="49" charset="0"/>
+              </a:rPr>
+              <a:t>[</a:t>
+            </a:r>
+            <a:r>
+              <a:rPr lang="nn-NO" dirty="0" smtClean="0">
+                <a:solidFill>
+                  <a:srgbClr val="0000DD"/>
+                </a:solidFill>
+                <a:latin typeface="Consolas" panose="020B0609020204030204" pitchFamily="49" charset="0"/>
+                <a:cs typeface="Consolas" panose="020B0609020204030204" pitchFamily="49" charset="0"/>
+              </a:rPr>
+              <a:t>5</a:t>
+            </a:r>
+            <a:r>
+              <a:rPr lang="nn-NO" dirty="0" smtClean="0">
+                <a:solidFill>
+                  <a:srgbClr val="008000"/>
+                </a:solidFill>
+                <a:latin typeface="Consolas" panose="020B0609020204030204" pitchFamily="49" charset="0"/>
+                <a:cs typeface="Consolas" panose="020B0609020204030204" pitchFamily="49" charset="0"/>
+              </a:rPr>
+              <a:t>]</a:t>
+            </a:r>
+            <a:r>
+              <a:rPr lang="nn-NO" dirty="0" smtClean="0">
+                <a:latin typeface="Consolas" panose="020B0609020204030204" pitchFamily="49" charset="0"/>
+                <a:cs typeface="Consolas" panose="020B0609020204030204" pitchFamily="49" charset="0"/>
+              </a:rPr>
+              <a:t> </a:t>
+            </a:r>
+            <a:r>
+              <a:rPr lang="nn-NO" dirty="0">
+                <a:solidFill>
+                  <a:srgbClr val="000080"/>
+                </a:solidFill>
+                <a:latin typeface="Consolas" panose="020B0609020204030204" pitchFamily="49" charset="0"/>
+                <a:cs typeface="Consolas" panose="020B0609020204030204" pitchFamily="49" charset="0"/>
+              </a:rPr>
+              <a:t>=</a:t>
+            </a:r>
+            <a:r>
+              <a:rPr lang="nn-NO" dirty="0">
+                <a:latin typeface="Consolas" panose="020B0609020204030204" pitchFamily="49" charset="0"/>
+                <a:cs typeface="Consolas" panose="020B0609020204030204" pitchFamily="49" charset="0"/>
+              </a:rPr>
+              <a:t> </a:t>
+            </a:r>
+            <a:r>
+              <a:rPr lang="nn-NO" dirty="0">
+                <a:solidFill>
+                  <a:srgbClr val="0000DD"/>
+                </a:solidFill>
+                <a:latin typeface="Consolas" panose="020B0609020204030204" pitchFamily="49" charset="0"/>
+                <a:cs typeface="Consolas" panose="020B0609020204030204" pitchFamily="49" charset="0"/>
+              </a:rPr>
+              <a:t>new</a:t>
+            </a:r>
+            <a:r>
+              <a:rPr lang="nn-NO" dirty="0">
+                <a:latin typeface="Consolas" panose="020B0609020204030204" pitchFamily="49" charset="0"/>
+                <a:cs typeface="Consolas" panose="020B0609020204030204" pitchFamily="49" charset="0"/>
+              </a:rPr>
+              <a:t> </a:t>
+            </a:r>
+            <a:r>
+              <a:rPr lang="nn-NO" dirty="0" smtClean="0">
+                <a:solidFill>
+                  <a:srgbClr val="0000FF"/>
+                </a:solidFill>
+                <a:latin typeface="Consolas" panose="020B0609020204030204" pitchFamily="49" charset="0"/>
+                <a:cs typeface="Consolas" panose="020B0609020204030204" pitchFamily="49" charset="0"/>
+              </a:rPr>
+              <a:t>int</a:t>
+            </a:r>
+            <a:r>
+              <a:rPr lang="nn-NO" dirty="0" smtClean="0">
+                <a:solidFill>
+                  <a:srgbClr val="008000"/>
+                </a:solidFill>
+                <a:latin typeface="Consolas" panose="020B0609020204030204" pitchFamily="49" charset="0"/>
+                <a:cs typeface="Consolas" panose="020B0609020204030204" pitchFamily="49" charset="0"/>
+              </a:rPr>
+              <a:t>[</a:t>
+            </a:r>
+            <a:r>
+              <a:rPr lang="nn-NO" dirty="0">
+                <a:solidFill>
+                  <a:srgbClr val="0000DD"/>
+                </a:solidFill>
+                <a:latin typeface="Consolas" panose="020B0609020204030204" pitchFamily="49" charset="0"/>
+                <a:cs typeface="Consolas" panose="020B0609020204030204" pitchFamily="49" charset="0"/>
+              </a:rPr>
+              <a:t>2</a:t>
+            </a:r>
+            <a:r>
+              <a:rPr lang="nn-NO" dirty="0" smtClean="0">
+                <a:solidFill>
+                  <a:srgbClr val="008000"/>
+                </a:solidFill>
+                <a:latin typeface="Consolas" panose="020B0609020204030204" pitchFamily="49" charset="0"/>
+                <a:cs typeface="Consolas" panose="020B0609020204030204" pitchFamily="49" charset="0"/>
+              </a:rPr>
+              <a:t>][</a:t>
+            </a:r>
+            <a:r>
+              <a:rPr lang="nn-NO" dirty="0" smtClean="0">
+                <a:solidFill>
+                  <a:srgbClr val="0000FF"/>
+                </a:solidFill>
+                <a:latin typeface="Consolas" panose="020B0609020204030204" pitchFamily="49" charset="0"/>
+                <a:cs typeface="Consolas" panose="020B0609020204030204" pitchFamily="49" charset="0"/>
+              </a:rPr>
+              <a:t>5</a:t>
+            </a:r>
+            <a:r>
+              <a:rPr lang="nn-NO" dirty="0" smtClean="0">
+                <a:solidFill>
+                  <a:srgbClr val="008000"/>
+                </a:solidFill>
+                <a:latin typeface="Consolas" panose="020B0609020204030204" pitchFamily="49" charset="0"/>
+                <a:cs typeface="Consolas" panose="020B0609020204030204" pitchFamily="49" charset="0"/>
+              </a:rPr>
+              <a:t>]</a:t>
+            </a:r>
+            <a:r>
+              <a:rPr lang="ru-RU" dirty="0" smtClean="0">
+                <a:solidFill>
+                  <a:srgbClr val="008000"/>
+                </a:solidFill>
+                <a:latin typeface="Consolas" panose="020B0609020204030204" pitchFamily="49" charset="0"/>
+                <a:cs typeface="Consolas" panose="020B0609020204030204" pitchFamily="49" charset="0"/>
+              </a:rPr>
+              <a:t> </a:t>
+            </a:r>
+            <a:r>
+              <a:rPr lang="en-US" dirty="0" smtClean="0">
+                <a:solidFill>
+                  <a:srgbClr val="008000"/>
+                </a:solidFill>
+                <a:latin typeface="Consolas" panose="020B0609020204030204" pitchFamily="49" charset="0"/>
+                <a:cs typeface="Consolas" panose="020B0609020204030204" pitchFamily="49" charset="0"/>
+              </a:rPr>
+              <a:t>{</a:t>
+            </a:r>
+          </a:p>
+          <a:p>
+            <a:r>
+              <a:rPr lang="en-US" dirty="0" smtClean="0">
+                <a:solidFill>
+                  <a:srgbClr val="008000"/>
+                </a:solidFill>
+                <a:latin typeface="Consolas" panose="020B0609020204030204" pitchFamily="49" charset="0"/>
+                <a:cs typeface="Consolas" panose="020B0609020204030204" pitchFamily="49" charset="0"/>
+              </a:rPr>
+              <a:t>                  {</a:t>
+            </a:r>
+            <a:r>
+              <a:rPr lang="en-US" dirty="0" smtClean="0">
+                <a:solidFill>
+                  <a:srgbClr val="0000FF"/>
+                </a:solidFill>
+                <a:latin typeface="Consolas" panose="020B0609020204030204" pitchFamily="49" charset="0"/>
+                <a:cs typeface="Consolas" panose="020B0609020204030204" pitchFamily="49" charset="0"/>
+              </a:rPr>
+              <a:t>1</a:t>
+            </a:r>
+            <a:r>
+              <a:rPr lang="en-US" dirty="0" smtClean="0">
+                <a:solidFill>
+                  <a:srgbClr val="008000"/>
+                </a:solidFill>
+                <a:latin typeface="Consolas" panose="020B0609020204030204" pitchFamily="49" charset="0"/>
+                <a:cs typeface="Consolas" panose="020B0609020204030204" pitchFamily="49" charset="0"/>
+              </a:rPr>
+              <a:t>, </a:t>
+            </a:r>
+            <a:r>
+              <a:rPr lang="en-US" dirty="0" smtClean="0">
+                <a:solidFill>
+                  <a:srgbClr val="0000FF"/>
+                </a:solidFill>
+                <a:latin typeface="Consolas" panose="020B0609020204030204" pitchFamily="49" charset="0"/>
+                <a:cs typeface="Consolas" panose="020B0609020204030204" pitchFamily="49" charset="0"/>
+              </a:rPr>
+              <a:t>2</a:t>
+            </a:r>
+            <a:r>
+              <a:rPr lang="en-US" dirty="0" smtClean="0">
+                <a:solidFill>
+                  <a:srgbClr val="008000"/>
+                </a:solidFill>
+                <a:latin typeface="Consolas" panose="020B0609020204030204" pitchFamily="49" charset="0"/>
+                <a:cs typeface="Consolas" panose="020B0609020204030204" pitchFamily="49" charset="0"/>
+              </a:rPr>
+              <a:t>, </a:t>
+            </a:r>
+            <a:r>
+              <a:rPr lang="en-US" dirty="0" smtClean="0">
+                <a:solidFill>
+                  <a:srgbClr val="0000FF"/>
+                </a:solidFill>
+                <a:latin typeface="Consolas" panose="020B0609020204030204" pitchFamily="49" charset="0"/>
+                <a:cs typeface="Consolas" panose="020B0609020204030204" pitchFamily="49" charset="0"/>
+              </a:rPr>
+              <a:t>3</a:t>
+            </a:r>
+            <a:r>
+              <a:rPr lang="en-US" dirty="0" smtClean="0">
+                <a:solidFill>
+                  <a:srgbClr val="008000"/>
+                </a:solidFill>
+                <a:latin typeface="Consolas" panose="020B0609020204030204" pitchFamily="49" charset="0"/>
+                <a:cs typeface="Consolas" panose="020B0609020204030204" pitchFamily="49" charset="0"/>
+              </a:rPr>
+              <a:t>, </a:t>
+            </a:r>
+            <a:r>
+              <a:rPr lang="en-US" dirty="0" smtClean="0">
+                <a:solidFill>
+                  <a:srgbClr val="0000FF"/>
+                </a:solidFill>
+                <a:latin typeface="Consolas" panose="020B0609020204030204" pitchFamily="49" charset="0"/>
+                <a:cs typeface="Consolas" panose="020B0609020204030204" pitchFamily="49" charset="0"/>
+              </a:rPr>
+              <a:t>4</a:t>
+            </a:r>
+            <a:r>
+              <a:rPr lang="en-US" dirty="0" smtClean="0">
+                <a:solidFill>
+                  <a:srgbClr val="008000"/>
+                </a:solidFill>
+                <a:latin typeface="Consolas" panose="020B0609020204030204" pitchFamily="49" charset="0"/>
+                <a:cs typeface="Consolas" panose="020B0609020204030204" pitchFamily="49" charset="0"/>
+              </a:rPr>
+              <a:t>, </a:t>
+            </a:r>
+            <a:r>
+              <a:rPr lang="en-US" dirty="0" smtClean="0">
+                <a:solidFill>
+                  <a:srgbClr val="0000FF"/>
+                </a:solidFill>
+                <a:latin typeface="Consolas" panose="020B0609020204030204" pitchFamily="49" charset="0"/>
+                <a:cs typeface="Consolas" panose="020B0609020204030204" pitchFamily="49" charset="0"/>
+              </a:rPr>
+              <a:t>5</a:t>
+            </a:r>
+            <a:r>
+              <a:rPr lang="en-US" dirty="0" smtClean="0">
+                <a:solidFill>
+                  <a:srgbClr val="008000"/>
+                </a:solidFill>
+                <a:latin typeface="Consolas" panose="020B0609020204030204" pitchFamily="49" charset="0"/>
+                <a:cs typeface="Consolas" panose="020B0609020204030204" pitchFamily="49" charset="0"/>
+              </a:rPr>
+              <a:t>}, </a:t>
+            </a:r>
+            <a:r>
+              <a:rPr lang="en-US" dirty="0">
+                <a:solidFill>
+                  <a:srgbClr val="008000"/>
+                </a:solidFill>
+                <a:latin typeface="Consolas" panose="020B0609020204030204" pitchFamily="49" charset="0"/>
+                <a:cs typeface="Consolas" panose="020B0609020204030204" pitchFamily="49" charset="0"/>
+              </a:rPr>
+              <a:t>{</a:t>
+            </a:r>
+            <a:r>
+              <a:rPr lang="en-US" dirty="0" smtClean="0">
+                <a:solidFill>
+                  <a:srgbClr val="0000FF"/>
+                </a:solidFill>
+                <a:latin typeface="Consolas" panose="020B0609020204030204" pitchFamily="49" charset="0"/>
+                <a:cs typeface="Consolas" panose="020B0609020204030204" pitchFamily="49" charset="0"/>
+              </a:rPr>
+              <a:t>1</a:t>
+            </a:r>
+            <a:r>
+              <a:rPr lang="en-US" dirty="0" smtClean="0">
+                <a:solidFill>
+                  <a:srgbClr val="008000"/>
+                </a:solidFill>
+                <a:latin typeface="Consolas" panose="020B0609020204030204" pitchFamily="49" charset="0"/>
+                <a:cs typeface="Consolas" panose="020B0609020204030204" pitchFamily="49" charset="0"/>
+              </a:rPr>
+              <a:t>}}</a:t>
+            </a:r>
+            <a:r>
+              <a:rPr lang="nn-NO" dirty="0" smtClean="0">
+                <a:solidFill>
+                  <a:srgbClr val="008080"/>
+                </a:solidFill>
+                <a:latin typeface="Consolas" panose="020B0609020204030204" pitchFamily="49" charset="0"/>
+                <a:cs typeface="Consolas" panose="020B0609020204030204" pitchFamily="49" charset="0"/>
+              </a:rPr>
+              <a:t>;</a:t>
+            </a:r>
+            <a:endParaRPr lang="nn-NO" dirty="0" smtClean="0">
+              <a:solidFill>
+                <a:srgbClr val="008080"/>
+              </a:solidFill>
+              <a:latin typeface="Consolas" panose="020B0609020204030204" pitchFamily="49" charset="0"/>
+              <a:cs typeface="Consolas" panose="020B0609020204030204" pitchFamily="49" charset="0"/>
+            </a:endParaRPr>
+          </a:p>
+          <a:p>
+            <a:endParaRPr lang="ru-RU" dirty="0" smtClean="0">
+              <a:solidFill>
+                <a:srgbClr val="0000FF"/>
+              </a:solidFill>
+              <a:latin typeface="Consolas" panose="020B0609020204030204" pitchFamily="49" charset="0"/>
+              <a:cs typeface="Consolas" panose="020B0609020204030204" pitchFamily="49" charset="0"/>
+            </a:endParaRPr>
+          </a:p>
+          <a:p>
+            <a:r>
+              <a:rPr lang="nn-NO" dirty="0">
+                <a:solidFill>
+                  <a:srgbClr val="666666"/>
+                </a:solidFill>
+                <a:latin typeface="Consolas" panose="020B0609020204030204" pitchFamily="49" charset="0"/>
+                <a:cs typeface="Consolas" panose="020B0609020204030204" pitchFamily="49" charset="0"/>
+              </a:rPr>
+              <a:t>// </a:t>
+            </a:r>
+            <a:r>
+              <a:rPr lang="ru-RU" dirty="0">
+                <a:solidFill>
+                  <a:srgbClr val="666666"/>
+                </a:solidFill>
+                <a:latin typeface="Consolas" panose="020B0609020204030204" pitchFamily="49" charset="0"/>
+                <a:cs typeface="Consolas" panose="020B0609020204030204" pitchFamily="49" charset="0"/>
+              </a:rPr>
+              <a:t>Все скобочки обязательно должны быть</a:t>
+            </a:r>
+            <a:endParaRPr lang="nn-NO" dirty="0">
+              <a:solidFill>
+                <a:srgbClr val="666666"/>
+              </a:solidFill>
+              <a:latin typeface="Consolas" panose="020B0609020204030204" pitchFamily="49" charset="0"/>
+              <a:cs typeface="Consolas" panose="020B0609020204030204" pitchFamily="49" charset="0"/>
+            </a:endParaRPr>
+          </a:p>
+          <a:p>
+            <a:r>
+              <a:rPr lang="ru-RU" dirty="0">
+                <a:solidFill>
+                  <a:srgbClr val="666666"/>
+                </a:solidFill>
+                <a:latin typeface="Consolas" panose="020B0609020204030204" pitchFamily="49" charset="0"/>
+                <a:cs typeface="Consolas" panose="020B0609020204030204" pitchFamily="49" charset="0"/>
+              </a:rPr>
+              <a:t>// тут ошибка</a:t>
+            </a:r>
+          </a:p>
+          <a:p>
+            <a:r>
+              <a:rPr lang="nn-NO" dirty="0">
+                <a:solidFill>
+                  <a:srgbClr val="0000FF"/>
+                </a:solidFill>
+                <a:latin typeface="Consolas" panose="020B0609020204030204" pitchFamily="49" charset="0"/>
+                <a:cs typeface="Consolas" panose="020B0609020204030204" pitchFamily="49" charset="0"/>
+              </a:rPr>
+              <a:t>int</a:t>
+            </a:r>
+            <a:r>
+              <a:rPr lang="nn-NO" dirty="0">
+                <a:latin typeface="Consolas" panose="020B0609020204030204" pitchFamily="49" charset="0"/>
+                <a:cs typeface="Consolas" panose="020B0609020204030204" pitchFamily="49" charset="0"/>
+              </a:rPr>
+              <a:t> </a:t>
+            </a:r>
+            <a:r>
+              <a:rPr lang="nn-NO" dirty="0">
+                <a:solidFill>
+                  <a:srgbClr val="008000"/>
+                </a:solidFill>
+                <a:latin typeface="Consolas" panose="020B0609020204030204" pitchFamily="49" charset="0"/>
+                <a:cs typeface="Consolas" panose="020B0609020204030204" pitchFamily="49" charset="0"/>
+              </a:rPr>
+              <a:t>(</a:t>
+            </a:r>
+            <a:r>
+              <a:rPr lang="nn-NO" dirty="0">
+                <a:solidFill>
+                  <a:srgbClr val="000040"/>
+                </a:solidFill>
+                <a:latin typeface="Consolas" panose="020B0609020204030204" pitchFamily="49" charset="0"/>
+                <a:cs typeface="Consolas" panose="020B0609020204030204" pitchFamily="49" charset="0"/>
+              </a:rPr>
+              <a:t>*</a:t>
+            </a:r>
+            <a:r>
+              <a:rPr lang="nn-NO" dirty="0">
+                <a:latin typeface="Consolas" panose="020B0609020204030204" pitchFamily="49" charset="0"/>
+                <a:cs typeface="Consolas" panose="020B0609020204030204" pitchFamily="49" charset="0"/>
+              </a:rPr>
+              <a:t>array</a:t>
+            </a:r>
+            <a:r>
+              <a:rPr lang="nn-NO" dirty="0">
+                <a:solidFill>
+                  <a:srgbClr val="008000"/>
+                </a:solidFill>
+                <a:latin typeface="Consolas" panose="020B0609020204030204" pitchFamily="49" charset="0"/>
+                <a:cs typeface="Consolas" panose="020B0609020204030204" pitchFamily="49" charset="0"/>
+              </a:rPr>
+              <a:t>)[</a:t>
+            </a:r>
+            <a:r>
+              <a:rPr lang="nn-NO" dirty="0">
+                <a:solidFill>
+                  <a:srgbClr val="0000DD"/>
+                </a:solidFill>
+                <a:latin typeface="Consolas" panose="020B0609020204030204" pitchFamily="49" charset="0"/>
+                <a:cs typeface="Consolas" panose="020B0609020204030204" pitchFamily="49" charset="0"/>
+              </a:rPr>
+              <a:t>5</a:t>
+            </a:r>
+            <a:r>
+              <a:rPr lang="nn-NO" dirty="0">
+                <a:solidFill>
+                  <a:srgbClr val="008000"/>
+                </a:solidFill>
+                <a:latin typeface="Consolas" panose="020B0609020204030204" pitchFamily="49" charset="0"/>
+                <a:cs typeface="Consolas" panose="020B0609020204030204" pitchFamily="49" charset="0"/>
+              </a:rPr>
+              <a:t>]</a:t>
+            </a:r>
+            <a:r>
+              <a:rPr lang="nn-NO" dirty="0">
+                <a:latin typeface="Consolas" panose="020B0609020204030204" pitchFamily="49" charset="0"/>
+                <a:cs typeface="Consolas" panose="020B0609020204030204" pitchFamily="49" charset="0"/>
+              </a:rPr>
+              <a:t> </a:t>
+            </a:r>
+            <a:r>
+              <a:rPr lang="nn-NO" dirty="0">
+                <a:solidFill>
+                  <a:srgbClr val="000080"/>
+                </a:solidFill>
+                <a:latin typeface="Consolas" panose="020B0609020204030204" pitchFamily="49" charset="0"/>
+                <a:cs typeface="Consolas" panose="020B0609020204030204" pitchFamily="49" charset="0"/>
+              </a:rPr>
+              <a:t>=</a:t>
+            </a:r>
+            <a:r>
+              <a:rPr lang="nn-NO" dirty="0">
+                <a:latin typeface="Consolas" panose="020B0609020204030204" pitchFamily="49" charset="0"/>
+                <a:cs typeface="Consolas" panose="020B0609020204030204" pitchFamily="49" charset="0"/>
+              </a:rPr>
+              <a:t> </a:t>
+            </a:r>
+            <a:r>
+              <a:rPr lang="nn-NO" dirty="0">
+                <a:solidFill>
+                  <a:srgbClr val="0000DD"/>
+                </a:solidFill>
+                <a:latin typeface="Consolas" panose="020B0609020204030204" pitchFamily="49" charset="0"/>
+                <a:cs typeface="Consolas" panose="020B0609020204030204" pitchFamily="49" charset="0"/>
+              </a:rPr>
+              <a:t>new</a:t>
+            </a:r>
+            <a:r>
+              <a:rPr lang="nn-NO" dirty="0">
+                <a:latin typeface="Consolas" panose="020B0609020204030204" pitchFamily="49" charset="0"/>
+                <a:cs typeface="Consolas" panose="020B0609020204030204" pitchFamily="49" charset="0"/>
+              </a:rPr>
+              <a:t> </a:t>
+            </a:r>
+            <a:r>
+              <a:rPr lang="nn-NO" dirty="0">
+                <a:solidFill>
+                  <a:srgbClr val="0000FF"/>
+                </a:solidFill>
+                <a:latin typeface="Consolas" panose="020B0609020204030204" pitchFamily="49" charset="0"/>
+                <a:cs typeface="Consolas" panose="020B0609020204030204" pitchFamily="49" charset="0"/>
+              </a:rPr>
+              <a:t>int</a:t>
+            </a:r>
+            <a:r>
+              <a:rPr lang="nn-NO" dirty="0">
+                <a:solidFill>
+                  <a:srgbClr val="008000"/>
+                </a:solidFill>
+                <a:latin typeface="Consolas" panose="020B0609020204030204" pitchFamily="49" charset="0"/>
+                <a:cs typeface="Consolas" panose="020B0609020204030204" pitchFamily="49" charset="0"/>
+              </a:rPr>
+              <a:t>[</a:t>
+            </a:r>
+            <a:r>
+              <a:rPr lang="nn-NO" dirty="0">
+                <a:solidFill>
+                  <a:srgbClr val="0000DD"/>
+                </a:solidFill>
+                <a:latin typeface="Consolas" panose="020B0609020204030204" pitchFamily="49" charset="0"/>
+                <a:cs typeface="Consolas" panose="020B0609020204030204" pitchFamily="49" charset="0"/>
+              </a:rPr>
+              <a:t>2</a:t>
+            </a:r>
+            <a:r>
+              <a:rPr lang="nn-NO" dirty="0">
+                <a:solidFill>
+                  <a:srgbClr val="008000"/>
+                </a:solidFill>
+                <a:latin typeface="Consolas" panose="020B0609020204030204" pitchFamily="49" charset="0"/>
+                <a:cs typeface="Consolas" panose="020B0609020204030204" pitchFamily="49" charset="0"/>
+              </a:rPr>
+              <a:t>][</a:t>
+            </a:r>
+            <a:r>
+              <a:rPr lang="nn-NO" dirty="0">
+                <a:solidFill>
+                  <a:srgbClr val="0000FF"/>
+                </a:solidFill>
+                <a:latin typeface="Consolas" panose="020B0609020204030204" pitchFamily="49" charset="0"/>
+                <a:cs typeface="Consolas" panose="020B0609020204030204" pitchFamily="49" charset="0"/>
+              </a:rPr>
+              <a:t>5</a:t>
+            </a:r>
+            <a:r>
+              <a:rPr lang="nn-NO" dirty="0">
+                <a:solidFill>
+                  <a:srgbClr val="008000"/>
+                </a:solidFill>
+                <a:latin typeface="Consolas" panose="020B0609020204030204" pitchFamily="49" charset="0"/>
+                <a:cs typeface="Consolas" panose="020B0609020204030204" pitchFamily="49" charset="0"/>
+              </a:rPr>
+              <a:t>]</a:t>
+            </a:r>
+            <a:r>
+              <a:rPr lang="ru-RU" dirty="0">
+                <a:solidFill>
+                  <a:srgbClr val="008000"/>
+                </a:solidFill>
+                <a:latin typeface="Consolas" panose="020B0609020204030204" pitchFamily="49" charset="0"/>
+                <a:cs typeface="Consolas" panose="020B0609020204030204" pitchFamily="49" charset="0"/>
+              </a:rPr>
+              <a:t> </a:t>
+            </a:r>
+            <a:r>
+              <a:rPr lang="en-US" dirty="0">
+                <a:solidFill>
+                  <a:srgbClr val="008000"/>
+                </a:solidFill>
+                <a:latin typeface="Consolas" panose="020B0609020204030204" pitchFamily="49" charset="0"/>
+                <a:cs typeface="Consolas" panose="020B0609020204030204" pitchFamily="49" charset="0"/>
+              </a:rPr>
+              <a:t>{</a:t>
+            </a:r>
+          </a:p>
+          <a:p>
+            <a:r>
+              <a:rPr lang="en-US" dirty="0">
+                <a:solidFill>
+                  <a:srgbClr val="008000"/>
+                </a:solidFill>
+                <a:latin typeface="Consolas" panose="020B0609020204030204" pitchFamily="49" charset="0"/>
+                <a:cs typeface="Consolas" panose="020B0609020204030204" pitchFamily="49" charset="0"/>
+              </a:rPr>
+              <a:t>                  </a:t>
+            </a:r>
+            <a:r>
+              <a:rPr lang="en-US" dirty="0" smtClean="0">
+                <a:solidFill>
+                  <a:srgbClr val="0000FF"/>
+                </a:solidFill>
+                <a:latin typeface="Consolas" panose="020B0609020204030204" pitchFamily="49" charset="0"/>
+                <a:cs typeface="Consolas" panose="020B0609020204030204" pitchFamily="49" charset="0"/>
+              </a:rPr>
+              <a:t>1</a:t>
+            </a:r>
+            <a:r>
+              <a:rPr lang="en-US" dirty="0">
+                <a:solidFill>
+                  <a:srgbClr val="008000"/>
+                </a:solidFill>
+                <a:latin typeface="Consolas" panose="020B0609020204030204" pitchFamily="49" charset="0"/>
+                <a:cs typeface="Consolas" panose="020B0609020204030204" pitchFamily="49" charset="0"/>
+              </a:rPr>
+              <a:t>, </a:t>
+            </a:r>
+            <a:r>
+              <a:rPr lang="en-US" dirty="0">
+                <a:solidFill>
+                  <a:srgbClr val="0000FF"/>
+                </a:solidFill>
+                <a:latin typeface="Consolas" panose="020B0609020204030204" pitchFamily="49" charset="0"/>
+                <a:cs typeface="Consolas" panose="020B0609020204030204" pitchFamily="49" charset="0"/>
+              </a:rPr>
+              <a:t>2</a:t>
+            </a:r>
+            <a:r>
+              <a:rPr lang="en-US" dirty="0">
+                <a:solidFill>
+                  <a:srgbClr val="008000"/>
+                </a:solidFill>
+                <a:latin typeface="Consolas" panose="020B0609020204030204" pitchFamily="49" charset="0"/>
+                <a:cs typeface="Consolas" panose="020B0609020204030204" pitchFamily="49" charset="0"/>
+              </a:rPr>
+              <a:t>, </a:t>
+            </a:r>
+            <a:r>
+              <a:rPr lang="en-US" dirty="0">
+                <a:solidFill>
+                  <a:srgbClr val="0000FF"/>
+                </a:solidFill>
+                <a:latin typeface="Consolas" panose="020B0609020204030204" pitchFamily="49" charset="0"/>
+                <a:cs typeface="Consolas" panose="020B0609020204030204" pitchFamily="49" charset="0"/>
+              </a:rPr>
+              <a:t>3</a:t>
+            </a:r>
+            <a:r>
+              <a:rPr lang="en-US" dirty="0">
+                <a:solidFill>
+                  <a:srgbClr val="008000"/>
+                </a:solidFill>
+                <a:latin typeface="Consolas" panose="020B0609020204030204" pitchFamily="49" charset="0"/>
+                <a:cs typeface="Consolas" panose="020B0609020204030204" pitchFamily="49" charset="0"/>
+              </a:rPr>
+              <a:t>, </a:t>
+            </a:r>
+            <a:r>
+              <a:rPr lang="en-US" dirty="0">
+                <a:solidFill>
+                  <a:srgbClr val="0000FF"/>
+                </a:solidFill>
+                <a:latin typeface="Consolas" panose="020B0609020204030204" pitchFamily="49" charset="0"/>
+                <a:cs typeface="Consolas" panose="020B0609020204030204" pitchFamily="49" charset="0"/>
+              </a:rPr>
+              <a:t>4</a:t>
+            </a:r>
+            <a:r>
+              <a:rPr lang="en-US" dirty="0">
+                <a:solidFill>
+                  <a:srgbClr val="008000"/>
+                </a:solidFill>
+                <a:latin typeface="Consolas" panose="020B0609020204030204" pitchFamily="49" charset="0"/>
+                <a:cs typeface="Consolas" panose="020B0609020204030204" pitchFamily="49" charset="0"/>
+              </a:rPr>
+              <a:t>, </a:t>
+            </a:r>
+            <a:r>
+              <a:rPr lang="en-US" dirty="0" smtClean="0">
+                <a:solidFill>
+                  <a:srgbClr val="0000FF"/>
+                </a:solidFill>
+                <a:latin typeface="Consolas" panose="020B0609020204030204" pitchFamily="49" charset="0"/>
+                <a:cs typeface="Consolas" panose="020B0609020204030204" pitchFamily="49" charset="0"/>
+              </a:rPr>
+              <a:t>5</a:t>
+            </a:r>
+            <a:r>
+              <a:rPr lang="en-US" dirty="0" smtClean="0">
+                <a:solidFill>
+                  <a:srgbClr val="008000"/>
+                </a:solidFill>
+                <a:latin typeface="Consolas" panose="020B0609020204030204" pitchFamily="49" charset="0"/>
+                <a:cs typeface="Consolas" panose="020B0609020204030204" pitchFamily="49" charset="0"/>
+              </a:rPr>
+              <a:t>, </a:t>
+            </a:r>
+            <a:r>
+              <a:rPr lang="en-US" dirty="0">
+                <a:solidFill>
+                  <a:srgbClr val="008000"/>
+                </a:solidFill>
+                <a:latin typeface="Consolas" panose="020B0609020204030204" pitchFamily="49" charset="0"/>
+                <a:cs typeface="Consolas" panose="020B0609020204030204" pitchFamily="49" charset="0"/>
+              </a:rPr>
+              <a:t>{</a:t>
+            </a:r>
+            <a:r>
+              <a:rPr lang="en-US" dirty="0">
+                <a:solidFill>
+                  <a:srgbClr val="0000FF"/>
+                </a:solidFill>
+                <a:latin typeface="Consolas" panose="020B0609020204030204" pitchFamily="49" charset="0"/>
+                <a:cs typeface="Consolas" panose="020B0609020204030204" pitchFamily="49" charset="0"/>
+              </a:rPr>
+              <a:t>1</a:t>
+            </a:r>
+            <a:r>
+              <a:rPr lang="en-US" dirty="0">
+                <a:solidFill>
+                  <a:srgbClr val="008000"/>
+                </a:solidFill>
+                <a:latin typeface="Consolas" panose="020B0609020204030204" pitchFamily="49" charset="0"/>
+                <a:cs typeface="Consolas" panose="020B0609020204030204" pitchFamily="49" charset="0"/>
+              </a:rPr>
+              <a:t>}}</a:t>
+            </a:r>
+            <a:r>
+              <a:rPr lang="nn-NO" dirty="0">
+                <a:solidFill>
+                  <a:srgbClr val="008080"/>
+                </a:solidFill>
+                <a:latin typeface="Consolas" panose="020B0609020204030204" pitchFamily="49" charset="0"/>
+                <a:cs typeface="Consolas" panose="020B0609020204030204" pitchFamily="49" charset="0"/>
+              </a:rPr>
+              <a:t>;</a:t>
+            </a:r>
+          </a:p>
+          <a:p>
+            <a:endParaRPr lang="nn-NO" dirty="0" smtClean="0">
+              <a:solidFill>
+                <a:srgbClr val="0000FF"/>
+              </a:solidFill>
+              <a:latin typeface="Consolas" panose="020B0609020204030204" pitchFamily="49" charset="0"/>
+              <a:cs typeface="Consolas" panose="020B0609020204030204" pitchFamily="49" charset="0"/>
+            </a:endParaRPr>
+          </a:p>
+        </p:txBody>
+      </p:sp>
+    </p:spTree>
+    <p:extLst>
+      <p:ext uri="{BB962C8B-B14F-4D97-AF65-F5344CB8AC3E}">
+        <p14:creationId xmlns:p14="http://schemas.microsoft.com/office/powerpoint/2010/main" val="3576062116"/>
+      </p:ext>
+    </p:extLst>
+  </p:cSld>
+  <p:clrMapOvr>
+    <a:masterClrMapping/>
+  </p:clrMapOvr>
+  <p:timing>
+    <p:tnLst>
+      <p:par>
+        <p:cTn id="1" dur="indefinite" restart="never" nodeType="tmRoot"/>
+      </p:par>
+    </p:tnLst>
+  </p:timing>
+</p:sld>
+</file>
+
+<file path=ppt/slides/slide26.xml><?xml version="1.0" encoding="utf-8"?>
+<p:sld xmlns:a="http://schemas.openxmlformats.org/drawingml/2006/main" xmlns:r="http://schemas.openxmlformats.org/officeDocument/2006/relationships" xmlns:p="http://schemas.openxmlformats.org/presentationml/2006/main">
+  <p:cSld>
+    <p:spTree>
+      <p:nvGrpSpPr>
+        <p:cNvPr id="1" name=""/>
+        <p:cNvGrpSpPr/>
+        <p:nvPr/>
+      </p:nvGrpSpPr>
+      <p:grpSpPr>
+        <a:xfrm>
+          <a:off x="0" y="0"/>
+          <a:ext cx="0" cy="0"/>
+          <a:chOff x="0" y="0"/>
+          <a:chExt cx="0" cy="0"/>
+        </a:xfrm>
+      </p:grpSpPr>
+      <p:sp>
+        <p:nvSpPr>
+          <p:cNvPr id="2" name="Заголовок 1"/>
+          <p:cNvSpPr>
+            <a:spLocks noGrp="1"/>
+          </p:cNvSpPr>
+          <p:nvPr>
+            <p:ph type="title"/>
+          </p:nvPr>
+        </p:nvSpPr>
+        <p:spPr/>
+        <p:txBody>
+          <a:bodyPr/>
+          <a:lstStyle/>
+          <a:p>
+            <a:r>
+              <a:rPr lang="ru-RU" dirty="0" smtClean="0"/>
+              <a:t>Использование</a:t>
+            </a:r>
+            <a:endParaRPr lang="ru-RU" dirty="0"/>
+          </a:p>
+        </p:txBody>
+      </p:sp>
+      <p:sp>
+        <p:nvSpPr>
+          <p:cNvPr id="3" name="Объект 2"/>
+          <p:cNvSpPr>
+            <a:spLocks noGrp="1"/>
+          </p:cNvSpPr>
+          <p:nvPr>
+            <p:ph idx="1"/>
+          </p:nvPr>
+        </p:nvSpPr>
+        <p:spPr>
+          <a:xfrm>
+            <a:off x="1187623" y="1600200"/>
+            <a:ext cx="7839872" cy="4525963"/>
+          </a:xfrm>
+        </p:spPr>
+        <p:txBody>
+          <a:bodyPr>
+            <a:normAutofit/>
+          </a:bodyPr>
+          <a:lstStyle/>
+          <a:p>
+            <a:r>
+              <a:rPr lang="ru-RU" dirty="0" smtClean="0">
+                <a:latin typeface="Consolas" panose="020B0609020204030204" pitchFamily="49" charset="0"/>
+                <a:cs typeface="Consolas" panose="020B0609020204030204" pitchFamily="49" charset="0"/>
+              </a:rPr>
+              <a:t>Использование динамически объявленных массивов полностью идентично использованию статических </a:t>
+            </a:r>
+            <a:r>
+              <a:rPr lang="ru-RU" dirty="0" smtClean="0">
+                <a:latin typeface="Consolas" panose="020B0609020204030204" pitchFamily="49" charset="0"/>
+                <a:cs typeface="Consolas" panose="020B0609020204030204" pitchFamily="49" charset="0"/>
+              </a:rPr>
+              <a:t>массивов</a:t>
+            </a:r>
+          </a:p>
+          <a:p>
+            <a:endParaRPr lang="ru-RU" dirty="0">
+              <a:latin typeface="Consolas" panose="020B0609020204030204" pitchFamily="49" charset="0"/>
+              <a:cs typeface="Consolas" panose="020B0609020204030204" pitchFamily="49" charset="0"/>
+            </a:endParaRPr>
+          </a:p>
+          <a:p>
+            <a:r>
+              <a:rPr lang="ru-RU" dirty="0" smtClean="0">
+                <a:latin typeface="Consolas" panose="020B0609020204030204" pitchFamily="49" charset="0"/>
+                <a:cs typeface="Consolas" panose="020B0609020204030204" pitchFamily="49" charset="0"/>
+              </a:rPr>
+              <a:t>После использования память необходимо освободить вручную с помощью оператора</a:t>
+            </a:r>
+            <a:endParaRPr lang="en-US" dirty="0" smtClean="0">
+              <a:latin typeface="Consolas" panose="020B0609020204030204" pitchFamily="49" charset="0"/>
+              <a:cs typeface="Consolas" panose="020B0609020204030204" pitchFamily="49" charset="0"/>
+            </a:endParaRPr>
+          </a:p>
+          <a:p>
+            <a:r>
+              <a:rPr lang="en-US" dirty="0" smtClean="0">
+                <a:solidFill>
+                  <a:srgbClr val="0000FF"/>
+                </a:solidFill>
+                <a:latin typeface="Consolas" panose="020B0609020204030204" pitchFamily="49" charset="0"/>
+                <a:cs typeface="Consolas" panose="020B0609020204030204" pitchFamily="49" charset="0"/>
+              </a:rPr>
+              <a:t>delete</a:t>
+            </a:r>
+            <a:r>
+              <a:rPr lang="en-US" dirty="0" smtClean="0">
+                <a:solidFill>
+                  <a:schemeClr val="accent3">
+                    <a:lumMod val="75000"/>
+                  </a:schemeClr>
+                </a:solidFill>
+                <a:latin typeface="Consolas" panose="020B0609020204030204" pitchFamily="49" charset="0"/>
+                <a:cs typeface="Consolas" panose="020B0609020204030204" pitchFamily="49" charset="0"/>
+              </a:rPr>
+              <a:t>[]</a:t>
+            </a:r>
+            <a:endParaRPr lang="ru-RU" dirty="0" smtClean="0">
+              <a:solidFill>
+                <a:schemeClr val="accent3">
+                  <a:lumMod val="75000"/>
+                </a:schemeClr>
+              </a:solidFill>
+              <a:latin typeface="Consolas" panose="020B0609020204030204" pitchFamily="49" charset="0"/>
+              <a:cs typeface="Consolas" panose="020B0609020204030204" pitchFamily="49" charset="0"/>
+            </a:endParaRPr>
           </a:p>
           <a:p>
             <a:endParaRPr lang="ru-RU" dirty="0">
